--- a/fuentes/contenidos/grado06/guion11/CN_06_11.pptx
+++ b/fuentes/contenidos/grado06/guion11/CN_06_11.pptx
@@ -106,7 +106,7 @@
   </p:defaultTextStyle>
   <p:extLst>
     <p:ext uri="{EFAFB233-063F-42B5-8137-9DF3F51BA10A}">
-      <p15:sldGuideLst xmlns:p15="http://schemas.microsoft.com/office/powerpoint/2012/main">
+      <p15:sldGuideLst xmlns:p15="http://schemas.microsoft.com/office/powerpoint/2012/main" xmlns="">
         <p15:guide id="1" orient="horz" pos="2160">
           <p15:clr>
             <a:srgbClr val="A4A3A4"/>
@@ -461,7 +461,7 @@
           <a:p>
             <a:fld id="{5001C876-01F7-4317-94B9-1AE222133113}" type="datetimeFigureOut">
               <a:rPr lang="es-ES" smtClean="0"/>
-              <a:t>21/09/2015</a:t>
+              <a:t>14/09/2015</a:t>
             </a:fld>
             <a:endParaRPr lang="es-ES"/>
           </a:p>
@@ -1130,68 +1130,11 @@
             <a:pPr algn="ctr"/>
             <a:r>
               <a:rPr lang="es-ES" sz="1300" b="1" dirty="0"/>
-              <a:t>F</a:t>
+              <a:t>f</a:t>
             </a:r>
             <a:r>
               <a:rPr lang="es-ES" sz="1300" b="1" dirty="0" smtClean="0"/>
               <a:t>uerzas</a:t>
-            </a:r>
-            <a:endParaRPr lang="es-ES" sz="1300" b="1" dirty="0"/>
-          </a:p>
-        </p:txBody>
-      </p:sp>
-      <p:sp>
-        <p:nvSpPr>
-          <p:cNvPr id="8" name="Rectángulo 7"/>
-          <p:cNvSpPr/>
-          <p:nvPr/>
-        </p:nvSpPr>
-        <p:spPr>
-          <a:xfrm>
-            <a:off x="7146510" y="1402871"/>
-            <a:ext cx="1565101" cy="1043377"/>
-          </a:xfrm>
-          <a:prstGeom prst="rect">
-            <a:avLst/>
-          </a:prstGeom>
-          <a:solidFill>
-            <a:schemeClr val="bg1"/>
-          </a:solidFill>
-          <a:ln>
-            <a:solidFill>
-              <a:schemeClr val="tx1"/>
-            </a:solidFill>
-          </a:ln>
-          <a:effectLst>
-            <a:outerShdw blurRad="50800" dist="38100" dir="2700000" algn="tl" rotWithShape="0">
-              <a:prstClr val="black">
-                <a:alpha val="40000"/>
-              </a:prstClr>
-            </a:outerShdw>
-          </a:effectLst>
-        </p:spPr>
-        <p:style>
-          <a:lnRef idx="2">
-            <a:schemeClr val="accent6"/>
-          </a:lnRef>
-          <a:fillRef idx="1">
-            <a:schemeClr val="lt1"/>
-          </a:fillRef>
-          <a:effectRef idx="0">
-            <a:schemeClr val="accent6"/>
-          </a:effectRef>
-          <a:fontRef idx="minor">
-            <a:schemeClr val="dk1"/>
-          </a:fontRef>
-        </p:style>
-        <p:txBody>
-          <a:bodyPr rtlCol="0" anchor="ctr"/>
-          <a:lstStyle/>
-          <a:p>
-            <a:pPr algn="ctr"/>
-            <a:r>
-              <a:rPr lang="es-CO" sz="1300" b="1" dirty="0"/>
-              <a:t>Cambio de posición de un móvil o cuerpo en el espacio a través del tiempo</a:t>
             </a:r>
             <a:endParaRPr lang="es-ES" sz="1300" b="1" dirty="0"/>
           </a:p>
@@ -1285,16 +1228,8 @@
           <a:p>
             <a:pPr algn="ctr"/>
             <a:r>
-              <a:rPr lang="en-US" sz="900" dirty="0" smtClean="0"/>
-              <a:t>p</a:t>
-            </a:r>
-            <a:r>
-              <a:rPr lang="es-ES" sz="900" dirty="0" err="1" smtClean="0"/>
-              <a:t>ueden</a:t>
-            </a:r>
-            <a:r>
               <a:rPr lang="es-ES" sz="900" dirty="0" smtClean="0"/>
-              <a:t> ser</a:t>
+              <a:t>pueden ser</a:t>
             </a:r>
             <a:endParaRPr lang="es-ES" sz="900" dirty="0"/>
           </a:p>
@@ -1338,15 +1273,14 @@
         <p:nvCxnSpPr>
           <p:cNvPr id="40" name="Conector angular 39"/>
           <p:cNvCxnSpPr>
-            <a:stCxn id="8" idx="2"/>
             <a:endCxn id="60" idx="0"/>
           </p:cNvCxnSpPr>
           <p:nvPr/>
         </p:nvCxnSpPr>
         <p:spPr>
           <a:xfrm>
-            <a:off x="7929061" y="2446248"/>
-            <a:ext cx="1" cy="188997"/>
+            <a:off x="6181325" y="1210779"/>
+            <a:ext cx="0" cy="1121757"/>
           </a:xfrm>
           <a:prstGeom prst="straightConnector1">
             <a:avLst/>
@@ -1376,7 +1310,7 @@
         </p:nvSpPr>
         <p:spPr>
           <a:xfrm>
-            <a:off x="821944" y="2780600"/>
+            <a:off x="808806" y="2437978"/>
             <a:ext cx="1210057" cy="605245"/>
           </a:xfrm>
           <a:prstGeom prst="rect">
@@ -1413,7 +1347,7 @@
           <a:p>
             <a:pPr algn="ctr"/>
             <a:r>
-              <a:rPr lang="en-US" sz="1000" dirty="0">
+              <a:rPr lang="en-US" sz="1000" dirty="0" smtClean="0">
                 <a:solidFill>
                   <a:schemeClr val="bg1"/>
                 </a:solidFill>
@@ -1447,8 +1381,8 @@
         </p:nvCxnSpPr>
         <p:spPr>
           <a:xfrm rot="5400000">
-            <a:off x="1643691" y="2015151"/>
-            <a:ext cx="548731" cy="982166"/>
+            <a:off x="1808433" y="1837271"/>
+            <a:ext cx="206109" cy="995304"/>
           </a:xfrm>
           <a:prstGeom prst="bentConnector3">
             <a:avLst>
@@ -1480,7 +1414,7 @@
         </p:nvSpPr>
         <p:spPr>
           <a:xfrm>
-            <a:off x="7129429" y="2635245"/>
+            <a:off x="5381692" y="2332536"/>
             <a:ext cx="1599265" cy="613886"/>
           </a:xfrm>
           <a:prstGeom prst="rect">
@@ -1517,12 +1451,20 @@
           <a:p>
             <a:pPr algn="ctr"/>
             <a:r>
+              <a:rPr lang="es-ES" sz="1000" dirty="0" smtClean="0">
+                <a:solidFill>
+                  <a:schemeClr val="bg1"/>
+                </a:solidFill>
+              </a:rPr>
+              <a:t>cambio </a:t>
+            </a:r>
+            <a:r>
               <a:rPr lang="es-ES" sz="1000" dirty="0">
                 <a:solidFill>
                   <a:schemeClr val="bg1"/>
                 </a:solidFill>
               </a:rPr>
-              <a:t>Cambio de posición de un móvil o cuerpo en el espacio a través del tiempo</a:t>
+              <a:t>de posición de un móvil o cuerpo en el espacio a través del tiempo</a:t>
             </a:r>
           </a:p>
         </p:txBody>
@@ -1535,7 +1477,7 @@
         </p:nvSpPr>
         <p:spPr>
           <a:xfrm>
-            <a:off x="796612" y="4509377"/>
+            <a:off x="808806" y="3627146"/>
             <a:ext cx="1210057" cy="605245"/>
           </a:xfrm>
           <a:prstGeom prst="rect">
@@ -1572,20 +1514,12 @@
           <a:p>
             <a:pPr algn="ctr"/>
             <a:r>
-              <a:rPr lang="es-ES" sz="900" dirty="0">
-                <a:solidFill>
-                  <a:schemeClr val="tx1"/>
-                </a:solidFill>
-              </a:rPr>
-              <a:t>f</a:t>
-            </a:r>
-            <a:r>
               <a:rPr lang="es-ES" sz="900" dirty="0" smtClean="0">
                 <a:solidFill>
                   <a:schemeClr val="tx1"/>
                 </a:solidFill>
               </a:rPr>
-              <a:t>uerza de rozamiento</a:t>
+              <a:t>fuerza de rozamiento</a:t>
             </a:r>
             <a:endParaRPr lang="es-ES" sz="900" dirty="0">
               <a:solidFill>
@@ -1605,9 +1539,9 @@
           <p:nvPr/>
         </p:nvCxnSpPr>
         <p:spPr>
-          <a:xfrm flipH="1">
-            <a:off x="1401641" y="3385845"/>
-            <a:ext cx="25332" cy="1123532"/>
+          <a:xfrm>
+            <a:off x="1413835" y="3043223"/>
+            <a:ext cx="0" cy="583923"/>
           </a:xfrm>
           <a:prstGeom prst="straightConnector1">
             <a:avLst/>
@@ -1637,8 +1571,8 @@
         </p:nvSpPr>
         <p:spPr>
           <a:xfrm>
-            <a:off x="7419720" y="3329608"/>
-            <a:ext cx="1394243" cy="369332"/>
+            <a:off x="7380411" y="3186751"/>
+            <a:ext cx="1394243" cy="230832"/>
           </a:xfrm>
           <a:prstGeom prst="rect">
             <a:avLst/>
@@ -1653,16 +1587,8 @@
           <a:p>
             <a:pPr algn="ctr"/>
             <a:r>
-              <a:rPr lang="en-US" sz="900" dirty="0" smtClean="0"/>
-              <a:t>se </a:t>
-            </a:r>
-            <a:r>
-              <a:rPr lang="en-US" sz="900" dirty="0" err="1" smtClean="0"/>
-              <a:t>mide</a:t>
-            </a:r>
-            <a:r>
               <a:rPr lang="es-ES" sz="900" dirty="0" smtClean="0"/>
-              <a:t> con respecto a un</a:t>
+              <a:t>medido con respecto a un</a:t>
             </a:r>
             <a:endParaRPr lang="es-ES" sz="900" dirty="0"/>
           </a:p>
@@ -1679,8 +1605,8 @@
         </p:nvCxnSpPr>
         <p:spPr>
           <a:xfrm rot="16200000" flipH="1">
-            <a:off x="7982714" y="3195479"/>
-            <a:ext cx="80477" cy="187780"/>
+            <a:off x="7009265" y="2118482"/>
+            <a:ext cx="240329" cy="1896208"/>
           </a:xfrm>
           <a:prstGeom prst="bentConnector3">
             <a:avLst>
@@ -1712,7 +1638,7 @@
         </p:nvSpPr>
         <p:spPr>
           <a:xfrm>
-            <a:off x="7511812" y="3735152"/>
+            <a:off x="7488278" y="3650740"/>
             <a:ext cx="1210057" cy="605245"/>
           </a:xfrm>
           <a:prstGeom prst="rect">
@@ -1749,20 +1675,12 @@
           <a:p>
             <a:pPr algn="ctr"/>
             <a:r>
-              <a:rPr lang="es-ES" sz="900" dirty="0">
-                <a:solidFill>
-                  <a:schemeClr val="tx1"/>
-                </a:solidFill>
-              </a:rPr>
-              <a:t>s</a:t>
-            </a:r>
-            <a:r>
               <a:rPr lang="es-ES" sz="900" dirty="0" smtClean="0">
                 <a:solidFill>
                   <a:schemeClr val="tx1"/>
                 </a:solidFill>
               </a:rPr>
-              <a:t>istema de referencia</a:t>
+              <a:t>sistema de referencia</a:t>
             </a:r>
             <a:endParaRPr lang="es-ES" sz="900" dirty="0">
               <a:solidFill>
@@ -1780,28 +1698,30 @@
         </p:nvSpPr>
         <p:spPr>
           <a:xfrm>
-            <a:off x="5238635" y="3513974"/>
+            <a:off x="4831242" y="4995435"/>
             <a:ext cx="1210057" cy="605245"/>
           </a:xfrm>
           <a:prstGeom prst="rect">
             <a:avLst/>
           </a:prstGeom>
           <a:solidFill>
-            <a:schemeClr val="bg2">
-              <a:lumMod val="50000"/>
-            </a:schemeClr>
-          </a:solidFill>
-          <a:ln/>
-        </p:spPr>
-        <p:style>
-          <a:lnRef idx="1">
-            <a:schemeClr val="dk1"/>
-          </a:lnRef>
-          <a:fillRef idx="2">
-            <a:schemeClr val="dk1"/>
-          </a:fillRef>
-          <a:effectRef idx="1">
-            <a:schemeClr val="dk1"/>
+            <a:schemeClr val="bg1"/>
+          </a:solidFill>
+          <a:ln>
+            <a:solidFill>
+              <a:schemeClr val="tx1"/>
+            </a:solidFill>
+          </a:ln>
+        </p:spPr>
+        <p:style>
+          <a:lnRef idx="2">
+            <a:schemeClr val="accent6"/>
+          </a:lnRef>
+          <a:fillRef idx="1">
+            <a:schemeClr val="lt1"/>
+          </a:fillRef>
+          <a:effectRef idx="0">
+            <a:schemeClr val="accent6"/>
           </a:effectRef>
           <a:fontRef idx="minor">
             <a:schemeClr val="dk1"/>
@@ -1815,14 +1735,22 @@
             <a:r>
               <a:rPr lang="es-ES" sz="900" dirty="0" smtClean="0">
                 <a:solidFill>
-                  <a:schemeClr val="bg1"/>
+                  <a:schemeClr val="tx1"/>
                 </a:solidFill>
               </a:rPr>
-              <a:t>Movimiento Uniforme (M.U.)</a:t>
+              <a:t>Movimiento Uniforme (</a:t>
+            </a:r>
+            <a:r>
+              <a:rPr lang="es-ES" sz="900" dirty="0" smtClean="0">
+                <a:solidFill>
+                  <a:schemeClr val="tx1"/>
+                </a:solidFill>
+              </a:rPr>
+              <a:t>MU)</a:t>
             </a:r>
             <a:endParaRPr lang="es-ES" sz="900" dirty="0">
               <a:solidFill>
-                <a:schemeClr val="bg1"/>
+                <a:schemeClr val="tx1"/>
               </a:solidFill>
             </a:endParaRPr>
           </a:p>
@@ -1897,6 +1825,37 @@
           </a:fontRef>
         </p:style>
       </p:cxnSp>
+      <p:cxnSp>
+        <p:nvCxnSpPr>
+          <p:cNvPr id="93" name="Conector angular 30"/>
+          <p:cNvCxnSpPr/>
+          <p:nvPr/>
+        </p:nvCxnSpPr>
+        <p:spPr>
+          <a:xfrm>
+            <a:off x="4758008" y="1023547"/>
+            <a:ext cx="1420725" cy="225262"/>
+          </a:xfrm>
+          <a:prstGeom prst="bentConnector2">
+            <a:avLst/>
+          </a:prstGeom>
+          <a:ln/>
+        </p:spPr>
+        <p:style>
+          <a:lnRef idx="2">
+            <a:schemeClr val="dk1"/>
+          </a:lnRef>
+          <a:fillRef idx="0">
+            <a:schemeClr val="dk1"/>
+          </a:fillRef>
+          <a:effectRef idx="1">
+            <a:schemeClr val="dk1"/>
+          </a:effectRef>
+          <a:fontRef idx="minor">
+            <a:schemeClr val="tx1"/>
+          </a:fontRef>
+        </p:style>
+      </p:cxnSp>
       <p:sp>
         <p:nvSpPr>
           <p:cNvPr id="94" name="Rectángulo 43"/>
@@ -1905,7 +1864,7 @@
         </p:nvSpPr>
         <p:spPr>
           <a:xfrm>
-            <a:off x="2581714" y="2790648"/>
+            <a:off x="2609626" y="2428258"/>
             <a:ext cx="1210057" cy="605245"/>
           </a:xfrm>
           <a:prstGeom prst="rect">
@@ -1965,6 +1924,72 @@
           </a:p>
         </p:txBody>
       </p:sp>
+      <p:cxnSp>
+        <p:nvCxnSpPr>
+          <p:cNvPr id="95" name="Conector angular 44"/>
+          <p:cNvCxnSpPr/>
+          <p:nvPr/>
+        </p:nvCxnSpPr>
+        <p:spPr>
+          <a:xfrm>
+            <a:off x="3235324" y="2336800"/>
+            <a:ext cx="2557" cy="98060"/>
+          </a:xfrm>
+          <a:prstGeom prst="straightConnector1">
+            <a:avLst/>
+          </a:prstGeom>
+          <a:ln w="12700">
+            <a:solidFill>
+              <a:schemeClr val="tx1"/>
+            </a:solidFill>
+          </a:ln>
+        </p:spPr>
+        <p:style>
+          <a:lnRef idx="1">
+            <a:schemeClr val="accent1"/>
+          </a:lnRef>
+          <a:fillRef idx="0">
+            <a:schemeClr val="accent1"/>
+          </a:fillRef>
+          <a:effectRef idx="0">
+            <a:schemeClr val="accent1"/>
+          </a:effectRef>
+          <a:fontRef idx="minor">
+            <a:schemeClr val="tx1"/>
+          </a:fontRef>
+        </p:style>
+      </p:cxnSp>
+      <p:cxnSp>
+        <p:nvCxnSpPr>
+          <p:cNvPr id="53" name="Straight Connector 52"/>
+          <p:cNvCxnSpPr/>
+          <p:nvPr/>
+        </p:nvCxnSpPr>
+        <p:spPr>
+          <a:xfrm flipV="1">
+            <a:off x="2437573" y="2330450"/>
+            <a:ext cx="800927" cy="1661"/>
+          </a:xfrm>
+          <a:prstGeom prst="line">
+            <a:avLst/>
+          </a:prstGeom>
+          <a:ln/>
+        </p:spPr>
+        <p:style>
+          <a:lnRef idx="2">
+            <a:schemeClr val="dk1"/>
+          </a:lnRef>
+          <a:fillRef idx="0">
+            <a:schemeClr val="dk1"/>
+          </a:fillRef>
+          <a:effectRef idx="1">
+            <a:schemeClr val="dk1"/>
+          </a:effectRef>
+          <a:fontRef idx="minor">
+            <a:schemeClr val="tx1"/>
+          </a:fontRef>
+        </p:style>
+      </p:cxnSp>
       <p:sp>
         <p:nvSpPr>
           <p:cNvPr id="110" name="Rectángulo 71"/>
@@ -1973,7 +1998,7 @@
         </p:nvSpPr>
         <p:spPr>
           <a:xfrm>
-            <a:off x="2581714" y="4509378"/>
+            <a:off x="2609768" y="3621778"/>
             <a:ext cx="1210057" cy="605245"/>
           </a:xfrm>
           <a:prstGeom prst="rect">
@@ -2025,6 +2050,37 @@
           </a:p>
         </p:txBody>
       </p:sp>
+      <p:cxnSp>
+        <p:nvCxnSpPr>
+          <p:cNvPr id="111" name="Conector angular 75"/>
+          <p:cNvCxnSpPr/>
+          <p:nvPr/>
+        </p:nvCxnSpPr>
+        <p:spPr>
+          <a:xfrm>
+            <a:off x="3230573" y="3029967"/>
+            <a:ext cx="0" cy="583923"/>
+          </a:xfrm>
+          <a:prstGeom prst="straightConnector1">
+            <a:avLst/>
+          </a:prstGeom>
+          <a:ln/>
+        </p:spPr>
+        <p:style>
+          <a:lnRef idx="2">
+            <a:schemeClr val="dk1"/>
+          </a:lnRef>
+          <a:fillRef idx="0">
+            <a:schemeClr val="dk1"/>
+          </a:fillRef>
+          <a:effectRef idx="1">
+            <a:schemeClr val="dk1"/>
+          </a:effectRef>
+          <a:fontRef idx="minor">
+            <a:schemeClr val="tx1"/>
+          </a:fontRef>
+        </p:style>
+      </p:cxnSp>
       <p:sp>
         <p:nvSpPr>
           <p:cNvPr id="128" name="CuadroTexto 140"/>
@@ -2033,7 +2089,7 @@
         </p:nvSpPr>
         <p:spPr>
           <a:xfrm>
-            <a:off x="3937158" y="1162601"/>
+            <a:off x="5174340" y="3218265"/>
             <a:ext cx="1394243" cy="230832"/>
           </a:xfrm>
           <a:prstGeom prst="rect">
@@ -2060,6 +2116,39 @@
           </a:p>
         </p:txBody>
       </p:sp>
+      <p:cxnSp>
+        <p:nvCxnSpPr>
+          <p:cNvPr id="116" name="Straight Connector 115"/>
+          <p:cNvCxnSpPr>
+            <a:endCxn id="128" idx="0"/>
+          </p:cNvCxnSpPr>
+          <p:nvPr/>
+        </p:nvCxnSpPr>
+        <p:spPr>
+          <a:xfrm rot="10800000" flipV="1">
+            <a:off x="5871463" y="3066729"/>
+            <a:ext cx="302695" cy="151535"/>
+          </a:xfrm>
+          <a:prstGeom prst="bentConnector2">
+            <a:avLst/>
+          </a:prstGeom>
+          <a:ln/>
+        </p:spPr>
+        <p:style>
+          <a:lnRef idx="2">
+            <a:schemeClr val="dk1"/>
+          </a:lnRef>
+          <a:fillRef idx="0">
+            <a:schemeClr val="dk1"/>
+          </a:fillRef>
+          <a:effectRef idx="1">
+            <a:schemeClr val="dk1"/>
+          </a:effectRef>
+          <a:fontRef idx="minor">
+            <a:schemeClr val="tx1"/>
+          </a:fontRef>
+        </p:style>
+      </p:cxnSp>
       <p:sp>
         <p:nvSpPr>
           <p:cNvPr id="138" name="Rectángulo 142"/>
@@ -2068,23 +2157,32 @@
         </p:nvSpPr>
         <p:spPr>
           <a:xfrm>
-            <a:off x="5823753" y="1690090"/>
+            <a:off x="6070765" y="3645954"/>
             <a:ext cx="1210057" cy="605245"/>
           </a:xfrm>
           <a:prstGeom prst="rect">
             <a:avLst/>
           </a:prstGeom>
-          <a:ln/>
-        </p:spPr>
-        <p:style>
-          <a:lnRef idx="2">
-            <a:schemeClr val="dk1"/>
+          <a:solidFill>
+            <a:schemeClr val="bg2">
+              <a:lumMod val="90000"/>
+            </a:schemeClr>
+          </a:solidFill>
+          <a:ln>
+            <a:solidFill>
+              <a:schemeClr val="tx1"/>
+            </a:solidFill>
+          </a:ln>
+        </p:spPr>
+        <p:style>
+          <a:lnRef idx="2">
+            <a:schemeClr val="accent6"/>
           </a:lnRef>
           <a:fillRef idx="1">
             <a:schemeClr val="lt1"/>
           </a:fillRef>
           <a:effectRef idx="0">
-            <a:schemeClr val="dk1"/>
+            <a:schemeClr val="accent6"/>
           </a:effectRef>
           <a:fontRef idx="minor">
             <a:schemeClr val="dk1"/>
@@ -2096,14 +2194,14 @@
           <a:p>
             <a:pPr algn="ctr"/>
             <a:r>
-              <a:rPr lang="es-ES" sz="1200" b="1" dirty="0" smtClean="0">
+              <a:rPr lang="es-ES" sz="900" dirty="0" smtClean="0">
                 <a:solidFill>
                   <a:schemeClr val="tx1"/>
                 </a:solidFill>
               </a:rPr>
-              <a:t>Trayectoria y desplazamiento</a:t>
-            </a:r>
-            <a:endParaRPr lang="es-ES" sz="1200" b="1" dirty="0">
+              <a:t>trayectoria y desplazamiento</a:t>
+            </a:r>
+            <a:endParaRPr lang="es-ES" sz="900" dirty="0">
               <a:solidFill>
                 <a:schemeClr val="tx1"/>
               </a:solidFill>
@@ -2111,6 +2209,37 @@
           </a:p>
         </p:txBody>
       </p:sp>
+      <p:cxnSp>
+        <p:nvCxnSpPr>
+          <p:cNvPr id="139" name="Conector angular 145"/>
+          <p:cNvCxnSpPr/>
+          <p:nvPr/>
+        </p:nvCxnSpPr>
+        <p:spPr>
+          <a:xfrm>
+            <a:off x="5871463" y="3415371"/>
+            <a:ext cx="737" cy="101958"/>
+          </a:xfrm>
+          <a:prstGeom prst="straightConnector1">
+            <a:avLst/>
+          </a:prstGeom>
+          <a:ln/>
+        </p:spPr>
+        <p:style>
+          <a:lnRef idx="2">
+            <a:schemeClr val="dk1"/>
+          </a:lnRef>
+          <a:fillRef idx="0">
+            <a:schemeClr val="dk1"/>
+          </a:fillRef>
+          <a:effectRef idx="1">
+            <a:schemeClr val="dk1"/>
+          </a:effectRef>
+          <a:fontRef idx="minor">
+            <a:schemeClr val="tx1"/>
+          </a:fontRef>
+        </p:style>
+      </p:cxnSp>
       <p:sp>
         <p:nvSpPr>
           <p:cNvPr id="161" name="Rectángulo 142"/>
@@ -2119,23 +2248,32 @@
         </p:nvSpPr>
         <p:spPr>
           <a:xfrm>
-            <a:off x="3916227" y="1658370"/>
+            <a:off x="4029705" y="3622777"/>
             <a:ext cx="1210057" cy="605245"/>
           </a:xfrm>
           <a:prstGeom prst="rect">
             <a:avLst/>
           </a:prstGeom>
-          <a:ln/>
-        </p:spPr>
-        <p:style>
-          <a:lnRef idx="2">
-            <a:schemeClr val="dk1"/>
+          <a:solidFill>
+            <a:schemeClr val="bg2">
+              <a:lumMod val="90000"/>
+            </a:schemeClr>
+          </a:solidFill>
+          <a:ln>
+            <a:solidFill>
+              <a:schemeClr val="tx1"/>
+            </a:solidFill>
+          </a:ln>
+        </p:spPr>
+        <p:style>
+          <a:lnRef idx="2">
+            <a:schemeClr val="accent6"/>
           </a:lnRef>
           <a:fillRef idx="1">
             <a:schemeClr val="lt1"/>
           </a:fillRef>
           <a:effectRef idx="0">
-            <a:schemeClr val="dk1"/>
+            <a:schemeClr val="accent6"/>
           </a:effectRef>
           <a:fontRef idx="minor">
             <a:schemeClr val="dk1"/>
@@ -2147,30 +2285,22 @@
           <a:p>
             <a:pPr algn="ctr"/>
             <a:r>
-              <a:rPr lang="es-ES" sz="1200" b="1" dirty="0">
+              <a:rPr lang="es-ES" sz="900" dirty="0">
                 <a:solidFill>
                   <a:schemeClr val="tx1"/>
                 </a:solidFill>
               </a:rPr>
-              <a:t>V</a:t>
-            </a:r>
-            <a:r>
-              <a:rPr lang="es-ES" sz="1200" b="1" smtClean="0">
+              <a:t>v</a:t>
+            </a:r>
+            <a:r>
+              <a:rPr lang="es-ES" sz="900" dirty="0" smtClean="0">
                 <a:solidFill>
                   <a:schemeClr val="tx1"/>
                 </a:solidFill>
               </a:rPr>
-              <a:t>elocidad </a:t>
-            </a:r>
-            <a:r>
-              <a:rPr lang="es-ES" sz="1200" b="1" dirty="0" smtClean="0">
-                <a:solidFill>
-                  <a:schemeClr val="tx1"/>
-                </a:solidFill>
-              </a:rPr>
-              <a:t>y aceleración</a:t>
-            </a:r>
-            <a:endParaRPr lang="es-ES" sz="1200" b="1" dirty="0">
+              <a:t>elocidad y aceleración</a:t>
+            </a:r>
+            <a:endParaRPr lang="es-ES" sz="900" dirty="0">
               <a:solidFill>
                 <a:schemeClr val="tx1"/>
               </a:solidFill>
@@ -2178,6 +2308,72 @@
           </a:p>
         </p:txBody>
       </p:sp>
+      <p:cxnSp>
+        <p:nvCxnSpPr>
+          <p:cNvPr id="158" name="Straight Connector 157"/>
+          <p:cNvCxnSpPr>
+            <a:stCxn id="161" idx="0"/>
+          </p:cNvCxnSpPr>
+          <p:nvPr/>
+        </p:nvCxnSpPr>
+        <p:spPr>
+          <a:xfrm rot="5400000" flipH="1" flipV="1">
+            <a:off x="5200671" y="2952410"/>
+            <a:ext cx="104430" cy="1236305"/>
+          </a:xfrm>
+          <a:prstGeom prst="bentConnector2">
+            <a:avLst/>
+          </a:prstGeom>
+          <a:ln/>
+        </p:spPr>
+        <p:style>
+          <a:lnRef idx="2">
+            <a:schemeClr val="dk1"/>
+          </a:lnRef>
+          <a:fillRef idx="0">
+            <a:schemeClr val="dk1"/>
+          </a:fillRef>
+          <a:effectRef idx="1">
+            <a:schemeClr val="dk1"/>
+          </a:effectRef>
+          <a:fontRef idx="minor">
+            <a:schemeClr val="tx1"/>
+          </a:fontRef>
+        </p:style>
+      </p:cxnSp>
+      <p:cxnSp>
+        <p:nvCxnSpPr>
+          <p:cNvPr id="164" name="Straight Connector 163"/>
+          <p:cNvCxnSpPr>
+            <a:endCxn id="138" idx="0"/>
+          </p:cNvCxnSpPr>
+          <p:nvPr/>
+        </p:nvCxnSpPr>
+        <p:spPr>
+          <a:xfrm>
+            <a:off x="5867269" y="3519521"/>
+            <a:ext cx="808525" cy="126433"/>
+          </a:xfrm>
+          <a:prstGeom prst="bentConnector2">
+            <a:avLst/>
+          </a:prstGeom>
+          <a:ln/>
+        </p:spPr>
+        <p:style>
+          <a:lnRef idx="2">
+            <a:schemeClr val="dk1"/>
+          </a:lnRef>
+          <a:fillRef idx="0">
+            <a:schemeClr val="dk1"/>
+          </a:fillRef>
+          <a:effectRef idx="1">
+            <a:schemeClr val="dk1"/>
+          </a:effectRef>
+          <a:fontRef idx="minor">
+            <a:schemeClr val="tx1"/>
+          </a:fontRef>
+        </p:style>
+      </p:cxnSp>
       <p:sp>
         <p:nvSpPr>
           <p:cNvPr id="174" name="CuadroTexto 140"/>
@@ -2186,7 +2382,7 @@
         </p:nvSpPr>
         <p:spPr>
           <a:xfrm>
-            <a:off x="3844392" y="2585218"/>
+            <a:off x="3937159" y="4399837"/>
             <a:ext cx="1394243" cy="230832"/>
           </a:xfrm>
           <a:prstGeom prst="rect">
@@ -2202,16 +2398,8 @@
           <a:p>
             <a:pPr algn="ctr"/>
             <a:r>
-              <a:rPr lang="en-US" sz="900" dirty="0"/>
-              <a:t>p</a:t>
-            </a:r>
-            <a:r>
-              <a:rPr lang="es-ES_tradnl" sz="900" dirty="0" err="1" smtClean="0"/>
-              <a:t>uede</a:t>
-            </a:r>
-            <a:r>
               <a:rPr lang="es-ES_tradnl" sz="900" dirty="0" smtClean="0"/>
-              <a:t> ser</a:t>
+              <a:t>puede ser</a:t>
             </a:r>
             <a:endParaRPr lang="es-ES" sz="900" dirty="0"/>
           </a:p>
@@ -2225,7 +2413,7 @@
         </p:nvSpPr>
         <p:spPr>
           <a:xfrm>
-            <a:off x="5861187" y="2588365"/>
+            <a:off x="5963756" y="4400420"/>
             <a:ext cx="1394243" cy="230832"/>
           </a:xfrm>
           <a:prstGeom prst="rect">
@@ -2241,16 +2429,8 @@
           <a:p>
             <a:pPr algn="ctr"/>
             <a:r>
-              <a:rPr lang="en-US" sz="900" dirty="0"/>
-              <a:t>p</a:t>
-            </a:r>
-            <a:r>
-              <a:rPr lang="es-ES_tradnl" sz="900" dirty="0" err="1" smtClean="0"/>
-              <a:t>uede</a:t>
-            </a:r>
-            <a:r>
               <a:rPr lang="es-ES_tradnl" sz="900" dirty="0" smtClean="0"/>
-              <a:t> ser</a:t>
+              <a:t>puede ser</a:t>
             </a:r>
             <a:endParaRPr lang="es-ES" sz="900" dirty="0"/>
           </a:p>
@@ -2267,13 +2447,44 @@
         </p:nvCxnSpPr>
         <p:spPr>
           <a:xfrm rot="5400000" flipH="1" flipV="1">
-            <a:off x="4200772" y="3133731"/>
-            <a:ext cx="658423" cy="23062"/>
+            <a:off x="3925440" y="4288591"/>
+            <a:ext cx="366762" cy="1050919"/>
           </a:xfrm>
           <a:prstGeom prst="bentConnector3">
             <a:avLst>
-              <a:gd name="adj1" fmla="val 48043"/>
+              <a:gd name="adj1" fmla="val 50000"/>
             </a:avLst>
+          </a:prstGeom>
+          <a:ln/>
+        </p:spPr>
+        <p:style>
+          <a:lnRef idx="2">
+            <a:schemeClr val="dk1"/>
+          </a:lnRef>
+          <a:fillRef idx="0">
+            <a:schemeClr val="dk1"/>
+          </a:fillRef>
+          <a:effectRef idx="1">
+            <a:schemeClr val="dk1"/>
+          </a:effectRef>
+          <a:fontRef idx="minor">
+            <a:schemeClr val="tx1"/>
+          </a:fontRef>
+        </p:style>
+      </p:cxnSp>
+      <p:cxnSp>
+        <p:nvCxnSpPr>
+          <p:cNvPr id="190" name="Straight Connector 163"/>
+          <p:cNvCxnSpPr/>
+          <p:nvPr/>
+        </p:nvCxnSpPr>
+        <p:spPr>
+          <a:xfrm>
+            <a:off x="4635759" y="4816041"/>
+            <a:ext cx="800512" cy="186334"/>
+          </a:xfrm>
+          <a:prstGeom prst="bentConnector2">
+            <a:avLst/>
           </a:prstGeom>
           <a:ln/>
         </p:spPr>
@@ -2302,9 +2513,40 @@
           <p:nvPr/>
         </p:nvCxnSpPr>
         <p:spPr>
-          <a:xfrm>
-            <a:off x="4521256" y="2263615"/>
-            <a:ext cx="20258" cy="321603"/>
+          <a:xfrm flipH="1">
+            <a:off x="4634281" y="4228022"/>
+            <a:ext cx="453" cy="171815"/>
+          </a:xfrm>
+          <a:prstGeom prst="straightConnector1">
+            <a:avLst/>
+          </a:prstGeom>
+          <a:ln/>
+        </p:spPr>
+        <p:style>
+          <a:lnRef idx="2">
+            <a:schemeClr val="dk1"/>
+          </a:lnRef>
+          <a:fillRef idx="0">
+            <a:schemeClr val="dk1"/>
+          </a:fillRef>
+          <a:effectRef idx="1">
+            <a:schemeClr val="dk1"/>
+          </a:effectRef>
+          <a:fontRef idx="minor">
+            <a:schemeClr val="tx1"/>
+          </a:fontRef>
+        </p:style>
+      </p:cxnSp>
+      <p:cxnSp>
+        <p:nvCxnSpPr>
+          <p:cNvPr id="199" name="Conector angular 141"/>
+          <p:cNvCxnSpPr/>
+          <p:nvPr/>
+        </p:nvCxnSpPr>
+        <p:spPr>
+          <a:xfrm flipH="1">
+            <a:off x="6680012" y="4261271"/>
+            <a:ext cx="3471" cy="196348"/>
           </a:xfrm>
           <a:prstGeom prst="straightConnector1">
             <a:avLst/>
@@ -2334,28 +2576,30 @@
         </p:nvSpPr>
         <p:spPr>
           <a:xfrm>
-            <a:off x="3913423" y="3474473"/>
+            <a:off x="2978333" y="4997431"/>
             <a:ext cx="1210057" cy="605245"/>
           </a:xfrm>
           <a:prstGeom prst="rect">
             <a:avLst/>
           </a:prstGeom>
           <a:solidFill>
-            <a:schemeClr val="bg2">
-              <a:lumMod val="50000"/>
-            </a:schemeClr>
-          </a:solidFill>
-          <a:ln/>
-        </p:spPr>
-        <p:style>
-          <a:lnRef idx="1">
-            <a:schemeClr val="dk1"/>
-          </a:lnRef>
-          <a:fillRef idx="2">
-            <a:schemeClr val="dk1"/>
-          </a:fillRef>
-          <a:effectRef idx="1">
-            <a:schemeClr val="dk1"/>
+            <a:schemeClr val="bg1"/>
+          </a:solidFill>
+          <a:ln>
+            <a:solidFill>
+              <a:schemeClr val="tx1"/>
+            </a:solidFill>
+          </a:ln>
+        </p:spPr>
+        <p:style>
+          <a:lnRef idx="2">
+            <a:schemeClr val="accent6"/>
+          </a:lnRef>
+          <a:fillRef idx="1">
+            <a:schemeClr val="lt1"/>
+          </a:fillRef>
+          <a:effectRef idx="0">
+            <a:schemeClr val="accent6"/>
           </a:effectRef>
           <a:fontRef idx="minor">
             <a:schemeClr val="dk1"/>
@@ -2369,43 +2613,82 @@
             <a:r>
               <a:rPr lang="es-ES" sz="900" dirty="0">
                 <a:solidFill>
-                  <a:schemeClr val="bg1"/>
+                  <a:schemeClr val="tx1"/>
                 </a:solidFill>
               </a:rPr>
-              <a:t>Movimiento </a:t>
+              <a:t>M</a:t>
             </a:r>
             <a:r>
               <a:rPr lang="es-ES" sz="900" dirty="0" smtClean="0">
                 <a:solidFill>
-                  <a:schemeClr val="bg1"/>
+                  <a:schemeClr val="tx1"/>
                 </a:solidFill>
               </a:rPr>
-              <a:t>Uniformemente Acelerado </a:t>
+              <a:t>ovimiento Uniforme Acelerado </a:t>
             </a:r>
             <a:r>
               <a:rPr lang="es-ES" sz="900" dirty="0">
                 <a:solidFill>
-                  <a:schemeClr val="bg1"/>
+                  <a:schemeClr val="tx1"/>
                 </a:solidFill>
               </a:rPr>
               <a:t>(</a:t>
             </a:r>
             <a:r>
+              <a:rPr lang="es-ES" sz="900" dirty="0" err="1" smtClean="0">
+                <a:solidFill>
+                  <a:schemeClr val="tx1"/>
+                </a:solidFill>
+              </a:rPr>
+              <a:t>MUA</a:t>
+            </a:r>
+            <a:r>
               <a:rPr lang="es-ES" sz="900" dirty="0" smtClean="0">
                 <a:solidFill>
-                  <a:schemeClr val="bg1"/>
+                  <a:schemeClr val="tx1"/>
                 </a:solidFill>
               </a:rPr>
-              <a:t>M.U.A)</a:t>
+              <a:t>)</a:t>
             </a:r>
             <a:endParaRPr lang="es-ES" sz="900" dirty="0">
               <a:solidFill>
-                <a:schemeClr val="bg1"/>
+                <a:schemeClr val="tx1"/>
               </a:solidFill>
             </a:endParaRPr>
           </a:p>
         </p:txBody>
       </p:sp>
+      <p:cxnSp>
+        <p:nvCxnSpPr>
+          <p:cNvPr id="203" name="Conector angular 141"/>
+          <p:cNvCxnSpPr/>
+          <p:nvPr/>
+        </p:nvCxnSpPr>
+        <p:spPr>
+          <a:xfrm flipH="1">
+            <a:off x="5426694" y="5614905"/>
+            <a:ext cx="3471" cy="196348"/>
+          </a:xfrm>
+          <a:prstGeom prst="straightConnector1">
+            <a:avLst/>
+          </a:prstGeom>
+          <a:ln/>
+        </p:spPr>
+        <p:style>
+          <a:lnRef idx="2">
+            <a:schemeClr val="dk1"/>
+          </a:lnRef>
+          <a:fillRef idx="0">
+            <a:schemeClr val="dk1"/>
+          </a:fillRef>
+          <a:effectRef idx="1">
+            <a:schemeClr val="dk1"/>
+          </a:effectRef>
+          <a:fontRef idx="minor">
+            <a:schemeClr val="tx1"/>
+          </a:fontRef>
+        </p:style>
+      </p:cxnSp>
       <p:sp>
         <p:nvSpPr>
           <p:cNvPr id="204" name="CuadroTexto 140"/>
@@ -2414,7 +2697,7 @@
         </p:nvSpPr>
         <p:spPr>
           <a:xfrm>
-            <a:off x="4029250" y="5734180"/>
+            <a:off x="4702082" y="5744791"/>
             <a:ext cx="1394243" cy="230832"/>
           </a:xfrm>
           <a:prstGeom prst="rect">
@@ -2441,6 +2724,37 @@
           </a:p>
         </p:txBody>
       </p:sp>
+      <p:cxnSp>
+        <p:nvCxnSpPr>
+          <p:cNvPr id="210" name="Conector angular 141"/>
+          <p:cNvCxnSpPr/>
+          <p:nvPr/>
+        </p:nvCxnSpPr>
+        <p:spPr>
+          <a:xfrm flipH="1">
+            <a:off x="8095949" y="3379360"/>
+            <a:ext cx="141" cy="269229"/>
+          </a:xfrm>
+          <a:prstGeom prst="straightConnector1">
+            <a:avLst/>
+          </a:prstGeom>
+          <a:ln/>
+        </p:spPr>
+        <p:style>
+          <a:lnRef idx="2">
+            <a:schemeClr val="dk1"/>
+          </a:lnRef>
+          <a:fillRef idx="0">
+            <a:schemeClr val="dk1"/>
+          </a:fillRef>
+          <a:effectRef idx="1">
+            <a:schemeClr val="dk1"/>
+          </a:effectRef>
+          <a:fontRef idx="minor">
+            <a:schemeClr val="tx1"/>
+          </a:fontRef>
+        </p:style>
+      </p:cxnSp>
       <p:sp>
         <p:nvSpPr>
           <p:cNvPr id="211" name="Rectángulo 143"/>
@@ -2449,23 +2763,30 @@
         </p:nvSpPr>
         <p:spPr>
           <a:xfrm>
-            <a:off x="5392307" y="6180396"/>
+            <a:off x="4800962" y="6141989"/>
             <a:ext cx="1210057" cy="605245"/>
           </a:xfrm>
           <a:prstGeom prst="rect">
             <a:avLst/>
           </a:prstGeom>
-          <a:ln/>
-        </p:spPr>
-        <p:style>
-          <a:lnRef idx="1">
-            <a:schemeClr val="accent3"/>
-          </a:lnRef>
-          <a:fillRef idx="2">
-            <a:schemeClr val="accent3"/>
-          </a:fillRef>
-          <a:effectRef idx="1">
-            <a:schemeClr val="accent3"/>
+          <a:solidFill>
+            <a:schemeClr val="bg1"/>
+          </a:solidFill>
+          <a:ln>
+            <a:solidFill>
+              <a:schemeClr val="tx1"/>
+            </a:solidFill>
+          </a:ln>
+        </p:spPr>
+        <p:style>
+          <a:lnRef idx="2">
+            <a:schemeClr val="accent6"/>
+          </a:lnRef>
+          <a:fillRef idx="1">
+            <a:schemeClr val="lt1"/>
+          </a:fillRef>
+          <a:effectRef idx="0">
+            <a:schemeClr val="accent6"/>
           </a:effectRef>
           <a:fontRef idx="minor">
             <a:schemeClr val="dk1"/>
@@ -2480,20 +2801,12 @@
               <a:buChar char="•"/>
             </a:pPr>
             <a:r>
-              <a:rPr lang="es-ES" sz="900" dirty="0">
-                <a:solidFill>
-                  <a:schemeClr val="tx1"/>
-                </a:solidFill>
-              </a:rPr>
-              <a:t>v</a:t>
-            </a:r>
-            <a:r>
               <a:rPr lang="es-ES" sz="900" dirty="0" smtClean="0">
                 <a:solidFill>
                   <a:schemeClr val="tx1"/>
                 </a:solidFill>
               </a:rPr>
-              <a:t>elocidad variable</a:t>
+              <a:t>Velocidad variable</a:t>
             </a:r>
           </a:p>
           <a:p>
@@ -2502,20 +2815,12 @@
               <a:buChar char="•"/>
             </a:pPr>
             <a:r>
-              <a:rPr lang="es-ES" sz="900" dirty="0">
-                <a:solidFill>
-                  <a:schemeClr val="tx1"/>
-                </a:solidFill>
-              </a:rPr>
-              <a:t>a</a:t>
-            </a:r>
-            <a:r>
               <a:rPr lang="es-ES" sz="900" dirty="0" smtClean="0">
                 <a:solidFill>
                   <a:schemeClr val="tx1"/>
                 </a:solidFill>
               </a:rPr>
-              <a:t>celeración nula</a:t>
+              <a:t>Aceleración nula</a:t>
             </a:r>
             <a:endParaRPr lang="es-ES" sz="900" dirty="0">
               <a:solidFill>
@@ -2525,6 +2830,178 @@
           </a:p>
         </p:txBody>
       </p:sp>
+      <p:cxnSp>
+        <p:nvCxnSpPr>
+          <p:cNvPr id="212" name="Conector angular 141"/>
+          <p:cNvCxnSpPr>
+            <a:stCxn id="204" idx="2"/>
+            <a:endCxn id="211" idx="0"/>
+          </p:cNvCxnSpPr>
+          <p:nvPr/>
+        </p:nvCxnSpPr>
+        <p:spPr>
+          <a:xfrm>
+            <a:off x="5399204" y="5975623"/>
+            <a:ext cx="6787" cy="166366"/>
+          </a:xfrm>
+          <a:prstGeom prst="straightConnector1">
+            <a:avLst/>
+          </a:prstGeom>
+          <a:ln/>
+        </p:spPr>
+        <p:style>
+          <a:lnRef idx="2">
+            <a:schemeClr val="dk1"/>
+          </a:lnRef>
+          <a:fillRef idx="0">
+            <a:schemeClr val="dk1"/>
+          </a:fillRef>
+          <a:effectRef idx="1">
+            <a:schemeClr val="dk1"/>
+          </a:effectRef>
+          <a:fontRef idx="minor">
+            <a:schemeClr val="tx1"/>
+          </a:fontRef>
+        </p:style>
+      </p:cxnSp>
+      <p:cxnSp>
+        <p:nvCxnSpPr>
+          <p:cNvPr id="214" name="Conector angular 141"/>
+          <p:cNvCxnSpPr>
+            <a:stCxn id="201" idx="2"/>
+            <a:endCxn id="217" idx="0"/>
+          </p:cNvCxnSpPr>
+          <p:nvPr/>
+        </p:nvCxnSpPr>
+        <p:spPr>
+          <a:xfrm rot="16200000" flipH="1">
+            <a:off x="3762836" y="5423201"/>
+            <a:ext cx="163113" cy="522061"/>
+          </a:xfrm>
+          <a:prstGeom prst="bentConnector3">
+            <a:avLst>
+              <a:gd name="adj1" fmla="val 50000"/>
+            </a:avLst>
+          </a:prstGeom>
+          <a:ln/>
+        </p:spPr>
+        <p:style>
+          <a:lnRef idx="2">
+            <a:schemeClr val="dk1"/>
+          </a:lnRef>
+          <a:fillRef idx="0">
+            <a:schemeClr val="dk1"/>
+          </a:fillRef>
+          <a:effectRef idx="1">
+            <a:schemeClr val="dk1"/>
+          </a:effectRef>
+          <a:fontRef idx="minor">
+            <a:schemeClr val="tx1"/>
+          </a:fontRef>
+        </p:style>
+      </p:cxnSp>
+      <p:cxnSp>
+        <p:nvCxnSpPr>
+          <p:cNvPr id="215" name="Straight Connector 157"/>
+          <p:cNvCxnSpPr>
+            <a:stCxn id="224" idx="0"/>
+          </p:cNvCxnSpPr>
+          <p:nvPr/>
+        </p:nvCxnSpPr>
+        <p:spPr>
+          <a:xfrm rot="5400000" flipH="1" flipV="1">
+            <a:off x="2768436" y="4951701"/>
+            <a:ext cx="80698" cy="1544262"/>
+          </a:xfrm>
+          <a:prstGeom prst="bentConnector2">
+            <a:avLst/>
+          </a:prstGeom>
+          <a:ln/>
+        </p:spPr>
+        <p:style>
+          <a:lnRef idx="2">
+            <a:schemeClr val="dk1"/>
+          </a:lnRef>
+          <a:fillRef idx="0">
+            <a:schemeClr val="dk1"/>
+          </a:fillRef>
+          <a:effectRef idx="1">
+            <a:schemeClr val="dk1"/>
+          </a:effectRef>
+          <a:fontRef idx="minor">
+            <a:schemeClr val="tx1"/>
+          </a:fontRef>
+        </p:style>
+      </p:cxnSp>
+      <p:sp>
+        <p:nvSpPr>
+          <p:cNvPr id="217" name="CuadroTexto 140"/>
+          <p:cNvSpPr txBox="1"/>
+          <p:nvPr/>
+        </p:nvSpPr>
+        <p:spPr>
+          <a:xfrm>
+            <a:off x="3408301" y="5765789"/>
+            <a:ext cx="1394243" cy="230832"/>
+          </a:xfrm>
+          <a:prstGeom prst="rect">
+            <a:avLst/>
+          </a:prstGeom>
+          <a:noFill/>
+        </p:spPr>
+        <p:txBody>
+          <a:bodyPr wrap="square" rtlCol="0">
+            <a:spAutoFit/>
+          </a:bodyPr>
+          <a:lstStyle/>
+          <a:p>
+            <a:pPr algn="ctr"/>
+            <a:r>
+              <a:rPr lang="es-ES_tradnl" sz="900" dirty="0"/>
+              <a:t>s</a:t>
+            </a:r>
+            <a:r>
+              <a:rPr lang="es-ES_tradnl" sz="900" dirty="0" smtClean="0"/>
+              <a:t>e caracteriza por</a:t>
+            </a:r>
+            <a:endParaRPr lang="es-ES" sz="900" dirty="0"/>
+          </a:p>
+        </p:txBody>
+      </p:sp>
+      <p:cxnSp>
+        <p:nvCxnSpPr>
+          <p:cNvPr id="219" name="Conector angular 141"/>
+          <p:cNvCxnSpPr>
+            <a:stCxn id="217" idx="2"/>
+            <a:endCxn id="220" idx="0"/>
+          </p:cNvCxnSpPr>
+          <p:nvPr/>
+        </p:nvCxnSpPr>
+        <p:spPr>
+          <a:xfrm>
+            <a:off x="4105423" y="5996621"/>
+            <a:ext cx="2661" cy="142979"/>
+          </a:xfrm>
+          <a:prstGeom prst="straightConnector1">
+            <a:avLst/>
+          </a:prstGeom>
+          <a:ln/>
+        </p:spPr>
+        <p:style>
+          <a:lnRef idx="2">
+            <a:schemeClr val="dk1"/>
+          </a:lnRef>
+          <a:fillRef idx="0">
+            <a:schemeClr val="dk1"/>
+          </a:fillRef>
+          <a:effectRef idx="1">
+            <a:schemeClr val="dk1"/>
+          </a:effectRef>
+          <a:fontRef idx="minor">
+            <a:schemeClr val="tx1"/>
+          </a:fontRef>
+        </p:style>
+      </p:cxnSp>
       <p:sp>
         <p:nvSpPr>
           <p:cNvPr id="220" name="Rectángulo 143"/>
@@ -2533,23 +3010,30 @@
         </p:nvSpPr>
         <p:spPr>
           <a:xfrm>
-            <a:off x="4121344" y="6184350"/>
+            <a:off x="3503055" y="6139600"/>
             <a:ext cx="1210057" cy="605245"/>
           </a:xfrm>
           <a:prstGeom prst="rect">
             <a:avLst/>
           </a:prstGeom>
-          <a:ln/>
-        </p:spPr>
-        <p:style>
-          <a:lnRef idx="1">
-            <a:schemeClr val="accent3"/>
-          </a:lnRef>
-          <a:fillRef idx="2">
-            <a:schemeClr val="accent3"/>
-          </a:fillRef>
-          <a:effectRef idx="1">
-            <a:schemeClr val="accent3"/>
+          <a:solidFill>
+            <a:schemeClr val="bg1"/>
+          </a:solidFill>
+          <a:ln>
+            <a:solidFill>
+              <a:schemeClr val="tx1"/>
+            </a:solidFill>
+          </a:ln>
+        </p:spPr>
+        <p:style>
+          <a:lnRef idx="2">
+            <a:schemeClr val="accent6"/>
+          </a:lnRef>
+          <a:fillRef idx="1">
+            <a:schemeClr val="lt1"/>
+          </a:fillRef>
+          <a:effectRef idx="0">
+            <a:schemeClr val="accent6"/>
           </a:effectRef>
           <a:fontRef idx="minor">
             <a:schemeClr val="dk1"/>
@@ -2564,12 +3048,12 @@
               <a:buChar char="•"/>
             </a:pPr>
             <a:r>
-              <a:rPr lang="en-US" sz="900" dirty="0">
+              <a:rPr lang="en-US" sz="900" dirty="0" smtClean="0">
                 <a:solidFill>
                   <a:schemeClr val="tx1"/>
                 </a:solidFill>
               </a:rPr>
-              <a:t>l</a:t>
+              <a:t>L</a:t>
             </a:r>
             <a:r>
               <a:rPr lang="es-ES" sz="900" dirty="0" smtClean="0">
@@ -2577,8 +3061,21 @@
                   <a:schemeClr val="tx1"/>
                 </a:solidFill>
               </a:rPr>
-              <a:t>a velocidad varia</a:t>
-            </a:r>
+              <a:t>a velocidad </a:t>
+            </a:r>
+            <a:r>
+              <a:rPr lang="es-ES" sz="900" dirty="0" smtClean="0">
+                <a:solidFill>
+                  <a:schemeClr val="tx1"/>
+                </a:solidFill>
+              </a:rPr>
+              <a:t>varía</a:t>
+            </a:r>
+            <a:endParaRPr lang="es-ES" sz="900" dirty="0" smtClean="0">
+              <a:solidFill>
+                <a:schemeClr val="tx1"/>
+              </a:solidFill>
+            </a:endParaRPr>
           </a:p>
           <a:p>
             <a:pPr marL="171450" indent="-171450">
@@ -2586,20 +3083,12 @@
               <a:buChar char="•"/>
             </a:pPr>
             <a:r>
-              <a:rPr lang="en-US" sz="900" dirty="0">
-                <a:solidFill>
-                  <a:schemeClr val="tx1"/>
-                </a:solidFill>
-              </a:rPr>
-              <a:t>l</a:t>
-            </a:r>
-            <a:r>
               <a:rPr lang="en-US" sz="900" dirty="0" smtClean="0">
                 <a:solidFill>
                   <a:schemeClr val="tx1"/>
                 </a:solidFill>
               </a:rPr>
-              <a:t>a aceleración es constante</a:t>
+              <a:t>La aceleración es constante</a:t>
             </a:r>
             <a:endParaRPr lang="es-ES" sz="900" dirty="0">
               <a:solidFill>
@@ -2633,16 +3122,8 @@
           <a:p>
             <a:pPr algn="ctr"/>
             <a:r>
-              <a:rPr lang="en-US" sz="900" dirty="0"/>
-              <a:t>p</a:t>
-            </a:r>
-            <a:r>
-              <a:rPr lang="es-ES_tradnl" sz="900" dirty="0" err="1" smtClean="0"/>
-              <a:t>uede</a:t>
-            </a:r>
-            <a:r>
               <a:rPr lang="es-ES_tradnl" sz="900" dirty="0" smtClean="0"/>
-              <a:t> ser</a:t>
+              <a:t>puede ser</a:t>
             </a:r>
             <a:endParaRPr lang="es-ES" sz="900" dirty="0"/>
           </a:p>
@@ -2662,17 +3143,24 @@
           <a:prstGeom prst="rect">
             <a:avLst/>
           </a:prstGeom>
-          <a:ln/>
-        </p:spPr>
-        <p:style>
-          <a:lnRef idx="1">
-            <a:schemeClr val="accent3"/>
-          </a:lnRef>
-          <a:fillRef idx="2">
-            <a:schemeClr val="accent3"/>
-          </a:fillRef>
-          <a:effectRef idx="1">
-            <a:schemeClr val="accent3"/>
+          <a:solidFill>
+            <a:schemeClr val="bg1"/>
+          </a:solidFill>
+          <a:ln>
+            <a:solidFill>
+              <a:schemeClr val="tx1"/>
+            </a:solidFill>
+          </a:ln>
+        </p:spPr>
+        <p:style>
+          <a:lnRef idx="2">
+            <a:schemeClr val="accent6"/>
+          </a:lnRef>
+          <a:fillRef idx="1">
+            <a:schemeClr val="lt1"/>
+          </a:fillRef>
+          <a:effectRef idx="0">
+            <a:schemeClr val="accent6"/>
           </a:effectRef>
           <a:fontRef idx="minor">
             <a:schemeClr val="dk1"/>
@@ -2685,7 +3173,23 @@
             <a:pPr algn="ctr"/>
             <a:r>
               <a:rPr lang="es-ES_tradnl" sz="900" dirty="0"/>
-              <a:t>Movimiento Uniformemente acelerado (M.U.A.) </a:t>
+              <a:t>Movimiento Uniformemente </a:t>
+            </a:r>
+            <a:r>
+              <a:rPr lang="es-ES_tradnl" sz="900" dirty="0" smtClean="0"/>
+              <a:t>Acelerado </a:t>
+            </a:r>
+            <a:r>
+              <a:rPr lang="es-ES_tradnl" sz="900" dirty="0"/>
+              <a:t>(</a:t>
+            </a:r>
+            <a:r>
+              <a:rPr lang="es-ES_tradnl" sz="900" dirty="0" err="1" smtClean="0"/>
+              <a:t>MUA</a:t>
+            </a:r>
+            <a:r>
+              <a:rPr lang="es-ES_tradnl" sz="900" dirty="0" smtClean="0"/>
+              <a:t>) </a:t>
             </a:r>
             <a:endParaRPr lang="es-ES" sz="900" dirty="0" smtClean="0">
               <a:solidFill>
@@ -2709,17 +3213,24 @@
           <a:prstGeom prst="rect">
             <a:avLst/>
           </a:prstGeom>
-          <a:ln/>
-        </p:spPr>
-        <p:style>
-          <a:lnRef idx="1">
-            <a:schemeClr val="accent3"/>
-          </a:lnRef>
-          <a:fillRef idx="2">
-            <a:schemeClr val="accent3"/>
-          </a:fillRef>
-          <a:effectRef idx="1">
-            <a:schemeClr val="accent3"/>
+          <a:solidFill>
+            <a:schemeClr val="bg1"/>
+          </a:solidFill>
+          <a:ln>
+            <a:solidFill>
+              <a:schemeClr val="tx1"/>
+            </a:solidFill>
+          </a:ln>
+        </p:spPr>
+        <p:style>
+          <a:lnRef idx="2">
+            <a:schemeClr val="accent6"/>
+          </a:lnRef>
+          <a:fillRef idx="1">
+            <a:schemeClr val="lt1"/>
+          </a:fillRef>
+          <a:effectRef idx="0">
+            <a:schemeClr val="accent6"/>
           </a:effectRef>
           <a:fontRef idx="minor">
             <a:schemeClr val="dk1"/>
@@ -2736,7 +3247,23 @@
                   <a:schemeClr val="tx1"/>
                 </a:solidFill>
               </a:rPr>
-              <a:t>Movimiento Uniformemente Retardado (M.U.R.)</a:t>
+              <a:t>Movimiento Uniformemente Retardado (</a:t>
+            </a:r>
+            <a:r>
+              <a:rPr lang="es-ES_tradnl" sz="900" dirty="0" err="1" smtClean="0">
+                <a:solidFill>
+                  <a:schemeClr val="tx1"/>
+                </a:solidFill>
+              </a:rPr>
+              <a:t>MUR</a:t>
+            </a:r>
+            <a:r>
+              <a:rPr lang="es-ES_tradnl" sz="900" dirty="0" smtClean="0">
+                <a:solidFill>
+                  <a:schemeClr val="tx1"/>
+                </a:solidFill>
+              </a:rPr>
+              <a:t>)</a:t>
             </a:r>
             <a:endParaRPr lang="es-ES" sz="900" dirty="0">
               <a:solidFill>
@@ -2815,6 +3342,39 @@
           </a:fontRef>
         </p:style>
       </p:cxnSp>
+      <p:cxnSp>
+        <p:nvCxnSpPr>
+          <p:cNvPr id="246" name="Straight Connector 163"/>
+          <p:cNvCxnSpPr>
+            <a:endCxn id="259" idx="0"/>
+          </p:cNvCxnSpPr>
+          <p:nvPr/>
+        </p:nvCxnSpPr>
+        <p:spPr>
+          <a:xfrm>
+            <a:off x="6678715" y="4744127"/>
+            <a:ext cx="1486501" cy="251798"/>
+          </a:xfrm>
+          <a:prstGeom prst="bentConnector2">
+            <a:avLst/>
+          </a:prstGeom>
+          <a:ln/>
+        </p:spPr>
+        <p:style>
+          <a:lnRef idx="2">
+            <a:schemeClr val="dk1"/>
+          </a:lnRef>
+          <a:fillRef idx="0">
+            <a:schemeClr val="dk1"/>
+          </a:fillRef>
+          <a:effectRef idx="1">
+            <a:schemeClr val="dk1"/>
+          </a:effectRef>
+          <a:fontRef idx="minor">
+            <a:schemeClr val="tx1"/>
+          </a:fontRef>
+        </p:style>
+      </p:cxnSp>
       <p:sp>
         <p:nvSpPr>
           <p:cNvPr id="256" name="Rectángulo 143"/>
@@ -2823,16 +3383,14 @@
         </p:nvSpPr>
         <p:spPr>
           <a:xfrm>
-            <a:off x="6383382" y="4651108"/>
+            <a:off x="6156456" y="4995925"/>
             <a:ext cx="1210057" cy="605245"/>
           </a:xfrm>
           <a:prstGeom prst="rect">
             <a:avLst/>
           </a:prstGeom>
           <a:solidFill>
-            <a:schemeClr val="bg2">
-              <a:lumMod val="50000"/>
-            </a:schemeClr>
+            <a:schemeClr val="bg1"/>
           </a:solidFill>
           <a:ln>
             <a:solidFill>
@@ -2860,194 +3418,12 @@
           <a:p>
             <a:pPr algn="ctr"/>
             <a:r>
-              <a:rPr lang="es-ES" sz="900" dirty="0">
-                <a:solidFill>
-                  <a:schemeClr val="bg1"/>
-                </a:solidFill>
-              </a:rPr>
-              <a:t>m</a:t>
-            </a:r>
-            <a:r>
-              <a:rPr lang="es-ES" sz="900" dirty="0" smtClean="0">
-                <a:solidFill>
-                  <a:schemeClr val="bg1"/>
-                </a:solidFill>
-              </a:rPr>
-              <a:t>ovimiento rectilíneo</a:t>
-            </a:r>
-            <a:endParaRPr lang="es-ES" sz="900" dirty="0">
-              <a:solidFill>
-                <a:schemeClr val="bg1"/>
-              </a:solidFill>
-            </a:endParaRPr>
-          </a:p>
-        </p:txBody>
-      </p:sp>
-      <p:sp>
-        <p:nvSpPr>
-          <p:cNvPr id="259" name="Rectángulo 143"/>
-          <p:cNvSpPr/>
-          <p:nvPr/>
-        </p:nvSpPr>
-        <p:spPr>
-          <a:xfrm>
-            <a:off x="7762831" y="4637589"/>
-            <a:ext cx="1210057" cy="605245"/>
-          </a:xfrm>
-          <a:prstGeom prst="rect">
-            <a:avLst/>
-          </a:prstGeom>
-          <a:solidFill>
-            <a:schemeClr val="bg2">
-              <a:lumMod val="50000"/>
-            </a:schemeClr>
-          </a:solidFill>
-          <a:ln>
-            <a:solidFill>
-              <a:schemeClr val="tx1"/>
-            </a:solidFill>
-          </a:ln>
-        </p:spPr>
-        <p:style>
-          <a:lnRef idx="2">
-            <a:schemeClr val="accent6"/>
-          </a:lnRef>
-          <a:fillRef idx="1">
-            <a:schemeClr val="lt1"/>
-          </a:fillRef>
-          <a:effectRef idx="0">
-            <a:schemeClr val="accent6"/>
-          </a:effectRef>
-          <a:fontRef idx="minor">
-            <a:schemeClr val="dk1"/>
-          </a:fontRef>
-        </p:style>
-        <p:txBody>
-          <a:bodyPr rtlCol="0" anchor="ctr"/>
-          <a:lstStyle/>
-          <a:p>
-            <a:pPr algn="ctr"/>
-            <a:r>
-              <a:rPr lang="es-ES" sz="900" dirty="0">
-                <a:solidFill>
-                  <a:schemeClr val="bg1"/>
-                </a:solidFill>
-              </a:rPr>
-              <a:t>m</a:t>
-            </a:r>
-            <a:r>
-              <a:rPr lang="es-ES" sz="900" dirty="0" smtClean="0">
-                <a:solidFill>
-                  <a:schemeClr val="bg1"/>
-                </a:solidFill>
-              </a:rPr>
-              <a:t>ovimiento curvilíneo</a:t>
-            </a:r>
-            <a:endParaRPr lang="es-ES" sz="900" dirty="0">
-              <a:solidFill>
-                <a:schemeClr val="bg1"/>
-              </a:solidFill>
-            </a:endParaRPr>
-          </a:p>
-        </p:txBody>
-      </p:sp>
-      <p:sp>
-        <p:nvSpPr>
-          <p:cNvPr id="269" name="Rectángulo 143"/>
-          <p:cNvSpPr/>
-          <p:nvPr/>
-        </p:nvSpPr>
-        <p:spPr>
-          <a:xfrm>
-            <a:off x="7638648" y="5596455"/>
-            <a:ext cx="1458422" cy="605245"/>
-          </a:xfrm>
-          <a:prstGeom prst="rect">
-            <a:avLst/>
-          </a:prstGeom>
-          <a:ln/>
-        </p:spPr>
-        <p:style>
-          <a:lnRef idx="1">
-            <a:schemeClr val="accent3"/>
-          </a:lnRef>
-          <a:fillRef idx="2">
-            <a:schemeClr val="accent3"/>
-          </a:fillRef>
-          <a:effectRef idx="1">
-            <a:schemeClr val="accent3"/>
-          </a:effectRef>
-          <a:fontRef idx="minor">
-            <a:schemeClr val="dk1"/>
-          </a:fontRef>
-        </p:style>
-        <p:txBody>
-          <a:bodyPr rtlCol="0" anchor="ctr"/>
-          <a:lstStyle/>
-          <a:p>
-            <a:pPr marL="171450" indent="-171450">
-              <a:buFont typeface="Arial"/>
-              <a:buChar char="•"/>
-            </a:pPr>
-            <a:r>
-              <a:rPr lang="es-ES" sz="900" dirty="0">
-                <a:solidFill>
-                  <a:schemeClr val="tx1"/>
-                </a:solidFill>
-              </a:rPr>
-              <a:t>m</a:t>
-            </a:r>
-            <a:r>
               <a:rPr lang="es-ES" sz="900" dirty="0" smtClean="0">
                 <a:solidFill>
                   <a:schemeClr val="tx1"/>
                 </a:solidFill>
               </a:rPr>
-              <a:t>ovimiento circular</a:t>
-            </a:r>
-          </a:p>
-          <a:p>
-            <a:pPr marL="171450" indent="-171450">
-              <a:buFont typeface="Arial"/>
-              <a:buChar char="•"/>
-            </a:pPr>
-            <a:r>
-              <a:rPr lang="es-ES" sz="900" dirty="0">
-                <a:solidFill>
-                  <a:schemeClr val="tx1"/>
-                </a:solidFill>
-              </a:rPr>
-              <a:t>m</a:t>
-            </a:r>
-            <a:r>
-              <a:rPr lang="es-ES" sz="900" dirty="0" smtClean="0">
-                <a:solidFill>
-                  <a:schemeClr val="tx1"/>
-                </a:solidFill>
-              </a:rPr>
-              <a:t>ovimiento parabólico</a:t>
-            </a:r>
-          </a:p>
-          <a:p>
-            <a:pPr marL="171450" indent="-171450">
-              <a:buFont typeface="Arial"/>
-              <a:buChar char="•"/>
-            </a:pPr>
-            <a:r>
-              <a:rPr lang="es-ES" sz="900" dirty="0">
-                <a:solidFill>
-                  <a:schemeClr val="tx1"/>
-                </a:solidFill>
-              </a:rPr>
-              <a:t>m</a:t>
-            </a:r>
-            <a:r>
-              <a:rPr lang="es-ES" sz="900" dirty="0" smtClean="0">
-                <a:solidFill>
-                  <a:schemeClr val="tx1"/>
-                </a:solidFill>
-              </a:rPr>
-              <a:t>ovimiento rectilíneo</a:t>
+              <a:t>Movimiento rectilíneo</a:t>
             </a:r>
             <a:endParaRPr lang="es-ES" sz="900" dirty="0">
               <a:solidFill>
@@ -3059,51 +3435,141 @@
       </p:sp>
       <p:sp>
         <p:nvSpPr>
-          <p:cNvPr id="11" name="Rectángulo 10"/>
+          <p:cNvPr id="259" name="Rectángulo 143"/>
           <p:cNvSpPr/>
           <p:nvPr/>
         </p:nvSpPr>
         <p:spPr>
           <a:xfrm>
-            <a:off x="6916982" y="1000749"/>
-            <a:ext cx="926857" cy="230832"/>
+            <a:off x="7560187" y="4995925"/>
+            <a:ext cx="1210057" cy="605245"/>
           </a:xfrm>
           <a:prstGeom prst="rect">
             <a:avLst/>
           </a:prstGeom>
-        </p:spPr>
+          <a:solidFill>
+            <a:schemeClr val="bg1"/>
+          </a:solidFill>
+          <a:ln>
+            <a:solidFill>
+              <a:schemeClr val="tx1"/>
+            </a:solidFill>
+          </a:ln>
+        </p:spPr>
+        <p:style>
+          <a:lnRef idx="2">
+            <a:schemeClr val="accent6"/>
+          </a:lnRef>
+          <a:fillRef idx="1">
+            <a:schemeClr val="lt1"/>
+          </a:fillRef>
+          <a:effectRef idx="0">
+            <a:schemeClr val="accent6"/>
+          </a:effectRef>
+          <a:fontRef idx="minor">
+            <a:schemeClr val="dk1"/>
+          </a:fontRef>
+        </p:style>
         <p:txBody>
-          <a:bodyPr wrap="none">
-            <a:spAutoFit/>
-          </a:bodyPr>
+          <a:bodyPr rtlCol="0" anchor="ctr"/>
           <a:lstStyle/>
           <a:p>
-            <a:r>
-              <a:rPr lang="pt-BR" sz="900" dirty="0"/>
-              <a:t>se define como </a:t>
-            </a:r>
+            <a:pPr algn="ctr"/>
+            <a:r>
+              <a:rPr lang="es-ES" sz="900" dirty="0" smtClean="0">
+                <a:solidFill>
+                  <a:schemeClr val="tx1"/>
+                </a:solidFill>
+              </a:rPr>
+              <a:t>Movimiento curvilíneo</a:t>
+            </a:r>
+            <a:endParaRPr lang="es-ES" sz="900" dirty="0">
+              <a:solidFill>
+                <a:schemeClr val="tx1"/>
+              </a:solidFill>
+            </a:endParaRPr>
           </a:p>
         </p:txBody>
       </p:sp>
       <p:cxnSp>
         <p:nvCxnSpPr>
-          <p:cNvPr id="14" name="Conector angular 13"/>
-          <p:cNvCxnSpPr>
-            <a:stCxn id="4" idx="2"/>
-            <a:endCxn id="128" idx="0"/>
-          </p:cNvCxnSpPr>
+          <p:cNvPr id="266" name="Conector angular 39"/>
+          <p:cNvCxnSpPr/>
           <p:nvPr/>
         </p:nvCxnSpPr>
         <p:spPr>
-          <a:xfrm rot="5400000">
-            <a:off x="4517140" y="926166"/>
-            <a:ext cx="353575" cy="119294"/>
-          </a:xfrm>
-          <a:prstGeom prst="bentConnector3">
-            <a:avLst>
-              <a:gd name="adj1" fmla="val 64570"/>
-            </a:avLst>
-          </a:prstGeom>
+          <a:xfrm>
+            <a:off x="6673032" y="4631252"/>
+            <a:ext cx="7467" cy="376014"/>
+          </a:xfrm>
+          <a:prstGeom prst="straightConnector1">
+            <a:avLst/>
+          </a:prstGeom>
+          <a:ln/>
+        </p:spPr>
+        <p:style>
+          <a:lnRef idx="2">
+            <a:schemeClr val="dk1"/>
+          </a:lnRef>
+          <a:fillRef idx="0">
+            <a:schemeClr val="dk1"/>
+          </a:fillRef>
+          <a:effectRef idx="1">
+            <a:schemeClr val="dk1"/>
+          </a:effectRef>
+          <a:fontRef idx="minor">
+            <a:schemeClr val="tx1"/>
+          </a:fontRef>
+        </p:style>
+      </p:cxnSp>
+      <p:cxnSp>
+        <p:nvCxnSpPr>
+          <p:cNvPr id="268" name="Conector angular 39"/>
+          <p:cNvCxnSpPr/>
+          <p:nvPr/>
+        </p:nvCxnSpPr>
+        <p:spPr>
+          <a:xfrm flipH="1">
+            <a:off x="8142855" y="5610044"/>
+            <a:ext cx="7310" cy="484604"/>
+          </a:xfrm>
+          <a:prstGeom prst="straightConnector1">
+            <a:avLst/>
+          </a:prstGeom>
+          <a:ln/>
+        </p:spPr>
+        <p:style>
+          <a:lnRef idx="2">
+            <a:schemeClr val="dk1"/>
+          </a:lnRef>
+          <a:fillRef idx="0">
+            <a:schemeClr val="dk1"/>
+          </a:fillRef>
+          <a:effectRef idx="1">
+            <a:schemeClr val="dk1"/>
+          </a:effectRef>
+          <a:fontRef idx="minor">
+            <a:schemeClr val="tx1"/>
+          </a:fontRef>
+        </p:style>
+      </p:cxnSp>
+      <p:sp>
+        <p:nvSpPr>
+          <p:cNvPr id="269" name="Rectángulo 143"/>
+          <p:cNvSpPr/>
+          <p:nvPr/>
+        </p:nvSpPr>
+        <p:spPr>
+          <a:xfrm>
+            <a:off x="7419720" y="6130326"/>
+            <a:ext cx="1458422" cy="605245"/>
+          </a:xfrm>
+          <a:prstGeom prst="rect">
+            <a:avLst/>
+          </a:prstGeom>
+          <a:solidFill>
+            <a:schemeClr val="bg1"/>
+          </a:solidFill>
           <a:ln>
             <a:solidFill>
               <a:schemeClr val="tx1"/>
@@ -3111,579 +3577,88 @@
           </a:ln>
         </p:spPr>
         <p:style>
-          <a:lnRef idx="1">
-            <a:schemeClr val="accent1"/>
-          </a:lnRef>
-          <a:fillRef idx="0">
-            <a:schemeClr val="accent1"/>
+          <a:lnRef idx="2">
+            <a:schemeClr val="accent6"/>
+          </a:lnRef>
+          <a:fillRef idx="1">
+            <a:schemeClr val="lt1"/>
           </a:fillRef>
           <a:effectRef idx="0">
-            <a:schemeClr val="accent1"/>
-          </a:effectRef>
-          <a:fontRef idx="minor">
-            <a:schemeClr val="tx1"/>
-          </a:fontRef>
-        </p:style>
-      </p:cxnSp>
-      <p:cxnSp>
-        <p:nvCxnSpPr>
-          <p:cNvPr id="18" name="Conector angular 17"/>
-          <p:cNvCxnSpPr>
-            <a:stCxn id="4" idx="2"/>
-            <a:endCxn id="11" idx="0"/>
-          </p:cNvCxnSpPr>
-          <p:nvPr/>
-        </p:nvCxnSpPr>
-        <p:spPr>
-          <a:xfrm rot="16200000" flipH="1">
-            <a:off x="5971131" y="-408532"/>
-            <a:ext cx="191723" cy="2626837"/>
-          </a:xfrm>
-          <a:prstGeom prst="bentConnector3">
-            <a:avLst>
-              <a:gd name="adj1" fmla="val 110457"/>
-            </a:avLst>
-          </a:prstGeom>
-          <a:ln>
-            <a:solidFill>
-              <a:schemeClr val="tx1"/>
-            </a:solidFill>
-          </a:ln>
-        </p:spPr>
-        <p:style>
-          <a:lnRef idx="1">
-            <a:schemeClr val="accent1"/>
-          </a:lnRef>
-          <a:fillRef idx="0">
-            <a:schemeClr val="accent1"/>
-          </a:fillRef>
-          <a:effectRef idx="0">
-            <a:schemeClr val="accent1"/>
-          </a:effectRef>
-          <a:fontRef idx="minor">
-            <a:schemeClr val="tx1"/>
-          </a:fontRef>
-        </p:style>
-      </p:cxnSp>
-      <p:cxnSp>
-        <p:nvCxnSpPr>
-          <p:cNvPr id="25" name="Conector angular 24"/>
-          <p:cNvCxnSpPr>
-            <a:stCxn id="11" idx="2"/>
-            <a:endCxn id="8" idx="0"/>
-          </p:cNvCxnSpPr>
-          <p:nvPr/>
-        </p:nvCxnSpPr>
-        <p:spPr>
-          <a:xfrm rot="16200000" flipH="1">
-            <a:off x="7569091" y="1042901"/>
-            <a:ext cx="171290" cy="548650"/>
-          </a:xfrm>
-          <a:prstGeom prst="bentConnector3">
-            <a:avLst/>
-          </a:prstGeom>
-          <a:ln>
-            <a:solidFill>
-              <a:schemeClr val="tx1"/>
-            </a:solidFill>
-          </a:ln>
-        </p:spPr>
-        <p:style>
-          <a:lnRef idx="1">
-            <a:schemeClr val="accent1"/>
-          </a:lnRef>
-          <a:fillRef idx="0">
-            <a:schemeClr val="accent1"/>
-          </a:fillRef>
-          <a:effectRef idx="0">
-            <a:schemeClr val="accent1"/>
-          </a:effectRef>
-          <a:fontRef idx="minor">
-            <a:schemeClr val="tx1"/>
-          </a:fontRef>
-        </p:style>
-      </p:cxnSp>
-      <p:cxnSp>
-        <p:nvCxnSpPr>
-          <p:cNvPr id="35" name="Conector angular 34"/>
-          <p:cNvCxnSpPr>
-            <a:stCxn id="128" idx="2"/>
-            <a:endCxn id="161" idx="0"/>
-          </p:cNvCxnSpPr>
-          <p:nvPr/>
-        </p:nvCxnSpPr>
-        <p:spPr>
-          <a:xfrm rot="5400000">
-            <a:off x="4445300" y="1469389"/>
-            <a:ext cx="264937" cy="113024"/>
-          </a:xfrm>
-          <a:prstGeom prst="bentConnector3">
-            <a:avLst>
-              <a:gd name="adj1" fmla="val 54861"/>
-            </a:avLst>
-          </a:prstGeom>
-          <a:ln>
-            <a:solidFill>
-              <a:schemeClr val="tx1"/>
-            </a:solidFill>
-          </a:ln>
-        </p:spPr>
-        <p:style>
-          <a:lnRef idx="1">
-            <a:schemeClr val="accent1"/>
-          </a:lnRef>
-          <a:fillRef idx="0">
-            <a:schemeClr val="accent1"/>
-          </a:fillRef>
-          <a:effectRef idx="0">
-            <a:schemeClr val="accent1"/>
-          </a:effectRef>
-          <a:fontRef idx="minor">
-            <a:schemeClr val="tx1"/>
-          </a:fontRef>
-        </p:style>
-      </p:cxnSp>
-      <p:cxnSp>
-        <p:nvCxnSpPr>
-          <p:cNvPr id="37" name="Conector angular 36"/>
-          <p:cNvCxnSpPr>
-            <a:stCxn id="128" idx="2"/>
-            <a:endCxn id="138" idx="0"/>
-          </p:cNvCxnSpPr>
-          <p:nvPr/>
-        </p:nvCxnSpPr>
-        <p:spPr>
-          <a:xfrm rot="16200000" flipH="1">
-            <a:off x="5383203" y="644510"/>
-            <a:ext cx="296657" cy="1794502"/>
-          </a:xfrm>
-          <a:prstGeom prst="bentConnector3">
-            <a:avLst/>
-          </a:prstGeom>
-          <a:ln>
-            <a:solidFill>
-              <a:schemeClr val="tx1"/>
-            </a:solidFill>
-          </a:ln>
-        </p:spPr>
-        <p:style>
-          <a:lnRef idx="1">
-            <a:schemeClr val="accent1"/>
-          </a:lnRef>
-          <a:fillRef idx="0">
-            <a:schemeClr val="accent1"/>
-          </a:fillRef>
-          <a:effectRef idx="0">
-            <a:schemeClr val="accent1"/>
-          </a:effectRef>
-          <a:fontRef idx="minor">
-            <a:schemeClr val="tx1"/>
-          </a:fontRef>
-        </p:style>
-      </p:cxnSp>
-      <p:cxnSp>
-        <p:nvCxnSpPr>
-          <p:cNvPr id="49" name="Conector angular 48"/>
-          <p:cNvCxnSpPr>
-            <a:stCxn id="19" idx="2"/>
-            <a:endCxn id="94" idx="0"/>
-          </p:cNvCxnSpPr>
-          <p:nvPr/>
-        </p:nvCxnSpPr>
-        <p:spPr>
-          <a:xfrm rot="16200000" flipH="1">
-            <a:off x="2518552" y="2122456"/>
-            <a:ext cx="558779" cy="777604"/>
-          </a:xfrm>
-          <a:prstGeom prst="bentConnector3">
-            <a:avLst/>
-          </a:prstGeom>
-          <a:ln>
-            <a:solidFill>
-              <a:schemeClr val="tx1"/>
-            </a:solidFill>
-          </a:ln>
-        </p:spPr>
-        <p:style>
-          <a:lnRef idx="1">
-            <a:schemeClr val="accent1"/>
-          </a:lnRef>
-          <a:fillRef idx="0">
-            <a:schemeClr val="accent1"/>
-          </a:fillRef>
-          <a:effectRef idx="0">
-            <a:schemeClr val="accent1"/>
-          </a:effectRef>
-          <a:fontRef idx="minor">
-            <a:schemeClr val="tx1"/>
-          </a:fontRef>
-        </p:style>
-      </p:cxnSp>
-      <p:cxnSp>
-        <p:nvCxnSpPr>
-          <p:cNvPr id="56" name="Conector recto 55"/>
-          <p:cNvCxnSpPr>
-            <a:stCxn id="94" idx="2"/>
-            <a:endCxn id="110" idx="0"/>
-          </p:cNvCxnSpPr>
-          <p:nvPr/>
-        </p:nvCxnSpPr>
-        <p:spPr>
-          <a:xfrm>
-            <a:off x="3186743" y="3395893"/>
-            <a:ext cx="0" cy="1113485"/>
-          </a:xfrm>
-          <a:prstGeom prst="line">
-            <a:avLst/>
-          </a:prstGeom>
-          <a:ln>
-            <a:solidFill>
-              <a:schemeClr val="tx1"/>
-            </a:solidFill>
-          </a:ln>
-        </p:spPr>
-        <p:style>
-          <a:lnRef idx="1">
-            <a:schemeClr val="accent1"/>
-          </a:lnRef>
-          <a:fillRef idx="0">
-            <a:schemeClr val="accent1"/>
-          </a:fillRef>
-          <a:effectRef idx="0">
-            <a:schemeClr val="accent1"/>
-          </a:effectRef>
-          <a:fontRef idx="minor">
-            <a:schemeClr val="tx1"/>
-          </a:fontRef>
-        </p:style>
-      </p:cxnSp>
-      <p:cxnSp>
-        <p:nvCxnSpPr>
-          <p:cNvPr id="62" name="Conector angular 61"/>
-          <p:cNvCxnSpPr>
-            <a:stCxn id="138" idx="2"/>
-            <a:endCxn id="175" idx="0"/>
-          </p:cNvCxnSpPr>
-          <p:nvPr/>
-        </p:nvCxnSpPr>
-        <p:spPr>
-          <a:xfrm rot="16200000" flipH="1">
-            <a:off x="6347030" y="2377086"/>
-            <a:ext cx="293030" cy="129527"/>
-          </a:xfrm>
-          <a:prstGeom prst="bentConnector3">
-            <a:avLst/>
-          </a:prstGeom>
-          <a:ln>
-            <a:solidFill>
-              <a:schemeClr val="tx1"/>
-            </a:solidFill>
-          </a:ln>
-        </p:spPr>
-        <p:style>
-          <a:lnRef idx="1">
-            <a:schemeClr val="accent1"/>
-          </a:lnRef>
-          <a:fillRef idx="0">
-            <a:schemeClr val="accent1"/>
-          </a:fillRef>
-          <a:effectRef idx="0">
-            <a:schemeClr val="accent1"/>
-          </a:effectRef>
-          <a:fontRef idx="minor">
-            <a:schemeClr val="tx1"/>
-          </a:fontRef>
-        </p:style>
-      </p:cxnSp>
-      <p:cxnSp>
-        <p:nvCxnSpPr>
-          <p:cNvPr id="66" name="Conector angular 65"/>
-          <p:cNvCxnSpPr>
-            <a:stCxn id="175" idx="2"/>
-            <a:endCxn id="256" idx="0"/>
-          </p:cNvCxnSpPr>
-          <p:nvPr/>
-        </p:nvCxnSpPr>
-        <p:spPr>
-          <a:xfrm rot="16200000" flipH="1">
-            <a:off x="5857405" y="3520101"/>
-            <a:ext cx="1831911" cy="430102"/>
-          </a:xfrm>
-          <a:prstGeom prst="bentConnector3">
-            <a:avLst>
-              <a:gd name="adj1" fmla="val 87964"/>
-            </a:avLst>
-          </a:prstGeom>
-          <a:ln>
-            <a:solidFill>
-              <a:schemeClr val="tx1"/>
-            </a:solidFill>
-          </a:ln>
-        </p:spPr>
-        <p:style>
-          <a:lnRef idx="1">
-            <a:schemeClr val="accent1"/>
-          </a:lnRef>
-          <a:fillRef idx="0">
-            <a:schemeClr val="accent1"/>
-          </a:fillRef>
-          <a:effectRef idx="0">
-            <a:schemeClr val="accent1"/>
-          </a:effectRef>
-          <a:fontRef idx="minor">
-            <a:schemeClr val="tx1"/>
-          </a:fontRef>
-        </p:style>
-      </p:cxnSp>
-      <p:cxnSp>
-        <p:nvCxnSpPr>
-          <p:cNvPr id="68" name="Conector angular 67"/>
-          <p:cNvCxnSpPr>
-            <a:stCxn id="175" idx="2"/>
-            <a:endCxn id="259" idx="0"/>
-          </p:cNvCxnSpPr>
-          <p:nvPr/>
-        </p:nvCxnSpPr>
-        <p:spPr>
-          <a:xfrm rot="16200000" flipH="1">
-            <a:off x="6553888" y="2823617"/>
-            <a:ext cx="1818392" cy="1809551"/>
-          </a:xfrm>
-          <a:prstGeom prst="bentConnector3">
-            <a:avLst>
-              <a:gd name="adj1" fmla="val 88246"/>
-            </a:avLst>
-          </a:prstGeom>
-          <a:ln>
-            <a:solidFill>
-              <a:schemeClr val="tx1"/>
-            </a:solidFill>
-          </a:ln>
-        </p:spPr>
-        <p:style>
-          <a:lnRef idx="1">
-            <a:schemeClr val="accent1"/>
-          </a:lnRef>
-          <a:fillRef idx="0">
-            <a:schemeClr val="accent1"/>
-          </a:fillRef>
-          <a:effectRef idx="0">
-            <a:schemeClr val="accent1"/>
-          </a:effectRef>
-          <a:fontRef idx="minor">
-            <a:schemeClr val="tx1"/>
-          </a:fontRef>
-        </p:style>
-      </p:cxnSp>
-      <p:cxnSp>
-        <p:nvCxnSpPr>
-          <p:cNvPr id="80" name="Conector recto 79"/>
-          <p:cNvCxnSpPr>
-            <a:stCxn id="259" idx="2"/>
-            <a:endCxn id="269" idx="0"/>
-          </p:cNvCxnSpPr>
-          <p:nvPr/>
-        </p:nvCxnSpPr>
-        <p:spPr>
-          <a:xfrm flipH="1">
-            <a:off x="8367859" y="5242834"/>
-            <a:ext cx="1" cy="353621"/>
-          </a:xfrm>
-          <a:prstGeom prst="line">
-            <a:avLst/>
-          </a:prstGeom>
-          <a:ln>
-            <a:solidFill>
-              <a:schemeClr val="tx1"/>
-            </a:solidFill>
-          </a:ln>
-        </p:spPr>
-        <p:style>
-          <a:lnRef idx="1">
-            <a:schemeClr val="accent1"/>
-          </a:lnRef>
-          <a:fillRef idx="0">
-            <a:schemeClr val="accent1"/>
-          </a:fillRef>
-          <a:effectRef idx="0">
-            <a:schemeClr val="accent1"/>
-          </a:effectRef>
-          <a:fontRef idx="minor">
-            <a:schemeClr val="tx1"/>
-          </a:fontRef>
-        </p:style>
-      </p:cxnSp>
-      <p:cxnSp>
-        <p:nvCxnSpPr>
-          <p:cNvPr id="83" name="Conector angular 82"/>
-          <p:cNvCxnSpPr>
-            <a:stCxn id="174" idx="2"/>
-            <a:endCxn id="144" idx="0"/>
-          </p:cNvCxnSpPr>
-          <p:nvPr/>
-        </p:nvCxnSpPr>
-        <p:spPr>
-          <a:xfrm rot="16200000" flipH="1">
-            <a:off x="4843627" y="2513937"/>
-            <a:ext cx="697924" cy="1302150"/>
-          </a:xfrm>
-          <a:prstGeom prst="bentConnector3">
-            <a:avLst/>
-          </a:prstGeom>
-          <a:ln>
-            <a:solidFill>
-              <a:schemeClr val="tx1"/>
-            </a:solidFill>
-          </a:ln>
-        </p:spPr>
-        <p:style>
-          <a:lnRef idx="1">
-            <a:schemeClr val="accent1"/>
-          </a:lnRef>
-          <a:fillRef idx="0">
-            <a:schemeClr val="accent1"/>
-          </a:fillRef>
-          <a:effectRef idx="0">
-            <a:schemeClr val="accent1"/>
-          </a:effectRef>
-          <a:fontRef idx="minor">
-            <a:schemeClr val="tx1"/>
-          </a:fontRef>
-        </p:style>
-      </p:cxnSp>
-      <p:cxnSp>
-        <p:nvCxnSpPr>
-          <p:cNvPr id="89" name="Conector angular 88"/>
-          <p:cNvCxnSpPr>
-            <a:stCxn id="201" idx="2"/>
-            <a:endCxn id="224" idx="0"/>
-          </p:cNvCxnSpPr>
-          <p:nvPr/>
-        </p:nvCxnSpPr>
-        <p:spPr>
-          <a:xfrm rot="5400000">
-            <a:off x="2435322" y="3681050"/>
-            <a:ext cx="1684463" cy="2481798"/>
-          </a:xfrm>
-          <a:prstGeom prst="bentConnector3">
-            <a:avLst>
-              <a:gd name="adj1" fmla="val 77524"/>
-            </a:avLst>
-          </a:prstGeom>
-          <a:ln>
-            <a:solidFill>
-              <a:schemeClr val="tx1"/>
-            </a:solidFill>
-          </a:ln>
-        </p:spPr>
-        <p:style>
-          <a:lnRef idx="1">
-            <a:schemeClr val="accent1"/>
-          </a:lnRef>
-          <a:fillRef idx="0">
-            <a:schemeClr val="accent1"/>
-          </a:fillRef>
-          <a:effectRef idx="0">
-            <a:schemeClr val="accent1"/>
-          </a:effectRef>
-          <a:fontRef idx="minor">
-            <a:schemeClr val="tx1"/>
-          </a:fontRef>
-        </p:style>
-      </p:cxnSp>
-      <p:cxnSp>
-        <p:nvCxnSpPr>
-          <p:cNvPr id="96" name="Conector angular 95"/>
-          <p:cNvCxnSpPr>
-            <a:stCxn id="201" idx="2"/>
-            <a:endCxn id="204" idx="0"/>
-          </p:cNvCxnSpPr>
-          <p:nvPr/>
-        </p:nvCxnSpPr>
-        <p:spPr>
-          <a:xfrm rot="16200000" flipH="1">
-            <a:off x="3795181" y="4802989"/>
-            <a:ext cx="1654462" cy="207920"/>
-          </a:xfrm>
-          <a:prstGeom prst="bentConnector3">
-            <a:avLst>
-              <a:gd name="adj1" fmla="val 79580"/>
-            </a:avLst>
-          </a:prstGeom>
-          <a:ln>
-            <a:solidFill>
-              <a:schemeClr val="tx1"/>
-            </a:solidFill>
-          </a:ln>
-        </p:spPr>
-        <p:style>
-          <a:lnRef idx="1">
-            <a:schemeClr val="accent1"/>
-          </a:lnRef>
-          <a:fillRef idx="0">
-            <a:schemeClr val="accent1"/>
-          </a:fillRef>
-          <a:effectRef idx="0">
-            <a:schemeClr val="accent1"/>
-          </a:effectRef>
-          <a:fontRef idx="minor">
-            <a:schemeClr val="tx1"/>
-          </a:fontRef>
-        </p:style>
-      </p:cxnSp>
-      <p:cxnSp>
-        <p:nvCxnSpPr>
-          <p:cNvPr id="104" name="Conector recto 103"/>
-          <p:cNvCxnSpPr>
-            <a:stCxn id="204" idx="2"/>
-            <a:endCxn id="220" idx="0"/>
-          </p:cNvCxnSpPr>
-          <p:nvPr/>
-        </p:nvCxnSpPr>
-        <p:spPr>
-          <a:xfrm>
-            <a:off x="4726372" y="5965012"/>
-            <a:ext cx="1" cy="219338"/>
-          </a:xfrm>
-          <a:prstGeom prst="line">
-            <a:avLst/>
-          </a:prstGeom>
-          <a:ln>
-            <a:solidFill>
-              <a:schemeClr val="tx1"/>
-            </a:solidFill>
-          </a:ln>
-        </p:spPr>
-        <p:style>
-          <a:lnRef idx="1">
-            <a:schemeClr val="accent1"/>
-          </a:lnRef>
-          <a:fillRef idx="0">
-            <a:schemeClr val="accent1"/>
-          </a:fillRef>
-          <a:effectRef idx="0">
-            <a:schemeClr val="accent1"/>
-          </a:effectRef>
-          <a:fontRef idx="minor">
-            <a:schemeClr val="tx1"/>
-          </a:fontRef>
-        </p:style>
-      </p:cxnSp>
+            <a:schemeClr val="accent6"/>
+          </a:effectRef>
+          <a:fontRef idx="minor">
+            <a:schemeClr val="dk1"/>
+          </a:fontRef>
+        </p:style>
+        <p:txBody>
+          <a:bodyPr rtlCol="0" anchor="ctr"/>
+          <a:lstStyle/>
+          <a:p>
+            <a:pPr marL="171450" indent="-171450">
+              <a:buFont typeface="Arial"/>
+              <a:buChar char="•"/>
+            </a:pPr>
+            <a:r>
+              <a:rPr lang="es-ES" sz="900" dirty="0" smtClean="0">
+                <a:solidFill>
+                  <a:schemeClr val="tx1"/>
+                </a:solidFill>
+              </a:rPr>
+              <a:t>Movimiento circular</a:t>
+            </a:r>
+          </a:p>
+          <a:p>
+            <a:pPr marL="171450" indent="-171450">
+              <a:buFont typeface="Arial"/>
+              <a:buChar char="•"/>
+            </a:pPr>
+            <a:r>
+              <a:rPr lang="es-ES" sz="900" dirty="0" smtClean="0">
+                <a:solidFill>
+                  <a:schemeClr val="tx1"/>
+                </a:solidFill>
+              </a:rPr>
+              <a:t>Movimiento parabólico</a:t>
+            </a:r>
+          </a:p>
+          <a:p>
+            <a:pPr marL="171450" indent="-171450">
+              <a:buFont typeface="Arial"/>
+              <a:buChar char="•"/>
+            </a:pPr>
+            <a:r>
+              <a:rPr lang="es-ES" sz="900" dirty="0" smtClean="0">
+                <a:solidFill>
+                  <a:schemeClr val="tx1"/>
+                </a:solidFill>
+              </a:rPr>
+              <a:t>Movimiento rectilíneo</a:t>
+            </a:r>
+            <a:endParaRPr lang="es-ES" sz="900" dirty="0">
+              <a:solidFill>
+                <a:schemeClr val="tx1"/>
+              </a:solidFill>
+            </a:endParaRPr>
+          </a:p>
+        </p:txBody>
+      </p:sp>
       <p:sp>
         <p:nvSpPr>
-          <p:cNvPr id="148" name="CuadroTexto 140"/>
+          <p:cNvPr id="64" name="CuadroTexto 18"/>
           <p:cNvSpPr txBox="1"/>
           <p:nvPr/>
         </p:nvSpPr>
         <p:spPr>
           <a:xfrm>
-            <a:off x="5152872" y="5672826"/>
+            <a:off x="5414566" y="909523"/>
             <a:ext cx="1394243" cy="230832"/>
           </a:xfrm>
           <a:prstGeom prst="rect">
             <a:avLst/>
           </a:prstGeom>
-          <a:noFill/>
+          <a:solidFill>
+            <a:schemeClr val="bg1"/>
+          </a:solidFill>
         </p:spPr>
         <p:txBody>
           <a:bodyPr wrap="square" rtlCol="0">
@@ -3693,131 +3668,45 @@
           <a:p>
             <a:pPr algn="ctr"/>
             <a:r>
-              <a:rPr lang="es-ES_tradnl" sz="900" dirty="0"/>
+              <a:rPr lang="en-US" sz="900" dirty="0">
+                <a:solidFill>
+                  <a:srgbClr val="FF0000"/>
+                </a:solidFill>
+              </a:rPr>
               <a:t>s</a:t>
             </a:r>
             <a:r>
-              <a:rPr lang="es-ES_tradnl" sz="900" dirty="0" smtClean="0"/>
-              <a:t>e caracteriza por</a:t>
-            </a:r>
-            <a:endParaRPr lang="es-ES" sz="900" dirty="0"/>
+              <a:rPr lang="en-US" sz="900" dirty="0" smtClean="0">
+                <a:solidFill>
+                  <a:srgbClr val="FF0000"/>
+                </a:solidFill>
+              </a:rPr>
+              <a:t>e define </a:t>
+            </a:r>
+            <a:r>
+              <a:rPr lang="en-US" sz="900" dirty="0" err="1" smtClean="0">
+                <a:solidFill>
+                  <a:srgbClr val="FF0000"/>
+                </a:solidFill>
+              </a:rPr>
+              <a:t>como</a:t>
+            </a:r>
+            <a:r>
+              <a:rPr lang="en-US" sz="900" dirty="0" smtClean="0">
+                <a:solidFill>
+                  <a:srgbClr val="FF0000"/>
+                </a:solidFill>
+              </a:rPr>
+              <a:t> el </a:t>
+            </a:r>
+            <a:endParaRPr lang="es-ES" sz="900" dirty="0">
+              <a:solidFill>
+                <a:srgbClr val="FF0000"/>
+              </a:solidFill>
+            </a:endParaRPr>
           </a:p>
         </p:txBody>
       </p:sp>
-      <p:cxnSp>
-        <p:nvCxnSpPr>
-          <p:cNvPr id="122" name="Conector angular 121"/>
-          <p:cNvCxnSpPr>
-            <a:stCxn id="148" idx="2"/>
-            <a:endCxn id="211" idx="0"/>
-          </p:cNvCxnSpPr>
-          <p:nvPr/>
-        </p:nvCxnSpPr>
-        <p:spPr>
-          <a:xfrm rot="16200000" flipH="1">
-            <a:off x="5785296" y="5968356"/>
-            <a:ext cx="276738" cy="147342"/>
-          </a:xfrm>
-          <a:prstGeom prst="bentConnector3">
-            <a:avLst/>
-          </a:prstGeom>
-          <a:ln>
-            <a:solidFill>
-              <a:schemeClr val="tx1"/>
-            </a:solidFill>
-          </a:ln>
-        </p:spPr>
-        <p:style>
-          <a:lnRef idx="1">
-            <a:schemeClr val="accent1"/>
-          </a:lnRef>
-          <a:fillRef idx="0">
-            <a:schemeClr val="accent1"/>
-          </a:fillRef>
-          <a:effectRef idx="0">
-            <a:schemeClr val="accent1"/>
-          </a:effectRef>
-          <a:fontRef idx="minor">
-            <a:schemeClr val="tx1"/>
-          </a:fontRef>
-        </p:style>
-      </p:cxnSp>
-      <p:cxnSp>
-        <p:nvCxnSpPr>
-          <p:cNvPr id="131" name="Conector recto 130"/>
-          <p:cNvCxnSpPr>
-            <a:stCxn id="143" idx="0"/>
-            <a:endCxn id="141" idx="2"/>
-          </p:cNvCxnSpPr>
-          <p:nvPr/>
-        </p:nvCxnSpPr>
-        <p:spPr>
-          <a:xfrm flipV="1">
-            <a:off x="8116841" y="3698940"/>
-            <a:ext cx="1" cy="36212"/>
-          </a:xfrm>
-          <a:prstGeom prst="line">
-            <a:avLst/>
-          </a:prstGeom>
-          <a:ln>
-            <a:solidFill>
-              <a:schemeClr val="tx1"/>
-            </a:solidFill>
-          </a:ln>
-        </p:spPr>
-        <p:style>
-          <a:lnRef idx="1">
-            <a:schemeClr val="accent1"/>
-          </a:lnRef>
-          <a:fillRef idx="0">
-            <a:schemeClr val="accent1"/>
-          </a:fillRef>
-          <a:effectRef idx="0">
-            <a:schemeClr val="accent1"/>
-          </a:effectRef>
-          <a:fontRef idx="minor">
-            <a:schemeClr val="tx1"/>
-          </a:fontRef>
-        </p:style>
-      </p:cxnSp>
-      <p:cxnSp>
-        <p:nvCxnSpPr>
-          <p:cNvPr id="135" name="Conector recto 134"/>
-          <p:cNvCxnSpPr>
-            <a:stCxn id="144" idx="2"/>
-            <a:endCxn id="148" idx="0"/>
-          </p:cNvCxnSpPr>
-          <p:nvPr/>
-        </p:nvCxnSpPr>
-        <p:spPr>
-          <a:xfrm>
-            <a:off x="5843664" y="4119219"/>
-            <a:ext cx="6330" cy="1553607"/>
-          </a:xfrm>
-          <a:prstGeom prst="line">
-            <a:avLst/>
-          </a:prstGeom>
-          <a:ln>
-            <a:solidFill>
-              <a:schemeClr val="tx1"/>
-            </a:solidFill>
-          </a:ln>
-        </p:spPr>
-        <p:style>
-          <a:lnRef idx="1">
-            <a:schemeClr val="accent1"/>
-          </a:lnRef>
-          <a:fillRef idx="0">
-            <a:schemeClr val="accent1"/>
-          </a:fillRef>
-          <a:effectRef idx="0">
-            <a:schemeClr val="accent1"/>
-          </a:effectRef>
-          <a:fontRef idx="minor">
-            <a:schemeClr val="tx1"/>
-          </a:fontRef>
-        </p:style>
-      </p:cxnSp>
     </p:spTree>
     <p:extLst>
       <p:ext uri="{BB962C8B-B14F-4D97-AF65-F5344CB8AC3E}">
@@ -4105,7 +3994,7 @@
   <a:extraClrSchemeLst/>
   <a:extLst>
     <a:ext uri="{05A4C25C-085E-4340-85A3-A5531E510DB2}">
-      <thm15:themeFamily xmlns:thm15="http://schemas.microsoft.com/office/thememl/2012/main" name="Office Theme" id="{62F939B6-93AF-4DB8-9C6B-D6C7DFDC589F}" vid="{4A3C46E8-61CC-4603-A589-7422A47A8E4A}"/>
+      <thm15:themeFamily xmlns:thm15="http://schemas.microsoft.com/office/thememl/2012/main" xmlns="" name="Office Theme" id="{62F939B6-93AF-4DB8-9C6B-D6C7DFDC589F}" vid="{4A3C46E8-61CC-4603-A589-7422A47A8E4A}"/>
     </a:ext>
   </a:extLst>
 </a:theme>
